--- a/PowerPoint/Systematic Case.pptx
+++ b/PowerPoint/Systematic Case.pptx
@@ -4,6 +4,9 @@
   <p:sldMasterIdLst>
     <p:sldMasterId id="2147483720" r:id="rId1"/>
   </p:sldMasterIdLst>
+  <p:notesMasterIdLst>
+    <p:notesMasterId r:id="rId11"/>
+  </p:notesMasterIdLst>
   <p:sldIdLst>
     <p:sldId id="256" r:id="rId2"/>
     <p:sldId id="258" r:id="rId3"/>
@@ -113,6 +116,1118 @@
     </a:lvl9pPr>
   </p:defaultTextStyle>
 </p:presentation>
+</file>
+
+<file path=ppt/notesMasters/notesMaster1.xml><?xml version="1.0" encoding="utf-8"?>
+<p:notesMaster xmlns:a="http://schemas.openxmlformats.org/drawingml/2006/main" xmlns:r="http://schemas.openxmlformats.org/officeDocument/2006/relationships" xmlns:p="http://schemas.openxmlformats.org/presentationml/2006/main">
+  <p:cSld>
+    <p:bg>
+      <p:bgRef idx="1001">
+        <a:schemeClr val="bg1"/>
+      </p:bgRef>
+    </p:bg>
+    <p:spTree>
+      <p:nvGrpSpPr>
+        <p:cNvPr id="1" name=""/>
+        <p:cNvGrpSpPr/>
+        <p:nvPr/>
+      </p:nvGrpSpPr>
+      <p:grpSpPr>
+        <a:xfrm>
+          <a:off x="0" y="0"/>
+          <a:ext cx="0" cy="0"/>
+          <a:chOff x="0" y="0"/>
+          <a:chExt cx="0" cy="0"/>
+        </a:xfrm>
+      </p:grpSpPr>
+      <p:sp>
+        <p:nvSpPr>
+          <p:cNvPr id="2" name="Pladsholder til sidehoved 1"/>
+          <p:cNvSpPr>
+            <a:spLocks noGrp="1"/>
+          </p:cNvSpPr>
+          <p:nvPr>
+            <p:ph type="hdr" sz="quarter"/>
+          </p:nvPr>
+        </p:nvSpPr>
+        <p:spPr>
+          <a:xfrm>
+            <a:off x="0" y="0"/>
+            <a:ext cx="2971800" cy="457200"/>
+          </a:xfrm>
+          <a:prstGeom prst="rect">
+            <a:avLst/>
+          </a:prstGeom>
+        </p:spPr>
+        <p:txBody>
+          <a:bodyPr vert="horz" lIns="91440" tIns="45720" rIns="91440" bIns="45720" rtlCol="0"/>
+          <a:lstStyle>
+            <a:lvl1pPr algn="l">
+              <a:defRPr sz="1200"/>
+            </a:lvl1pPr>
+          </a:lstStyle>
+          <a:p>
+            <a:endParaRPr lang="da-DK"/>
+          </a:p>
+        </p:txBody>
+      </p:sp>
+      <p:sp>
+        <p:nvSpPr>
+          <p:cNvPr id="3" name="Pladsholder til dato 2"/>
+          <p:cNvSpPr>
+            <a:spLocks noGrp="1"/>
+          </p:cNvSpPr>
+          <p:nvPr>
+            <p:ph type="dt" idx="1"/>
+          </p:nvPr>
+        </p:nvSpPr>
+        <p:spPr>
+          <a:xfrm>
+            <a:off x="3884613" y="0"/>
+            <a:ext cx="2971800" cy="457200"/>
+          </a:xfrm>
+          <a:prstGeom prst="rect">
+            <a:avLst/>
+          </a:prstGeom>
+        </p:spPr>
+        <p:txBody>
+          <a:bodyPr vert="horz" lIns="91440" tIns="45720" rIns="91440" bIns="45720" rtlCol="0"/>
+          <a:lstStyle>
+            <a:lvl1pPr algn="r">
+              <a:defRPr sz="1200"/>
+            </a:lvl1pPr>
+          </a:lstStyle>
+          <a:p>
+            <a:fld id="{3883D74B-B03D-491B-ACB6-FF9B4AB61452}" type="datetimeFigureOut">
+              <a:rPr lang="da-DK" smtClean="0"/>
+              <a:t>13-10-2010</a:t>
+            </a:fld>
+            <a:endParaRPr lang="da-DK"/>
+          </a:p>
+        </p:txBody>
+      </p:sp>
+      <p:sp>
+        <p:nvSpPr>
+          <p:cNvPr id="4" name="Pladsholder til diasbillede 3"/>
+          <p:cNvSpPr>
+            <a:spLocks noGrp="1" noRot="1" noChangeAspect="1"/>
+          </p:cNvSpPr>
+          <p:nvPr>
+            <p:ph type="sldImg" idx="2"/>
+          </p:nvPr>
+        </p:nvSpPr>
+        <p:spPr>
+          <a:xfrm>
+            <a:off x="1143000" y="685800"/>
+            <a:ext cx="4572000" cy="3429000"/>
+          </a:xfrm>
+          <a:prstGeom prst="rect">
+            <a:avLst/>
+          </a:prstGeom>
+          <a:noFill/>
+          <a:ln w="12700">
+            <a:solidFill>
+              <a:prstClr val="black"/>
+            </a:solidFill>
+          </a:ln>
+        </p:spPr>
+        <p:txBody>
+          <a:bodyPr vert="horz" lIns="91440" tIns="45720" rIns="91440" bIns="45720" rtlCol="0" anchor="ctr"/>
+          <a:lstStyle/>
+          <a:p>
+            <a:endParaRPr lang="da-DK"/>
+          </a:p>
+        </p:txBody>
+      </p:sp>
+      <p:sp>
+        <p:nvSpPr>
+          <p:cNvPr id="5" name="Pladsholder til noter 4"/>
+          <p:cNvSpPr>
+            <a:spLocks noGrp="1"/>
+          </p:cNvSpPr>
+          <p:nvPr>
+            <p:ph type="body" sz="quarter" idx="3"/>
+          </p:nvPr>
+        </p:nvSpPr>
+        <p:spPr>
+          <a:xfrm>
+            <a:off x="685800" y="4343400"/>
+            <a:ext cx="5486400" cy="4114800"/>
+          </a:xfrm>
+          <a:prstGeom prst="rect">
+            <a:avLst/>
+          </a:prstGeom>
+        </p:spPr>
+        <p:txBody>
+          <a:bodyPr vert="horz" lIns="91440" tIns="45720" rIns="91440" bIns="45720" rtlCol="0">
+            <a:normAutofit/>
+          </a:bodyPr>
+          <a:lstStyle/>
+          <a:p>
+            <a:pPr lvl="0"/>
+            <a:r>
+              <a:rPr lang="da-DK" smtClean="0"/>
+              <a:t>Klik for at redigere typografi i masteren</a:t>
+            </a:r>
+          </a:p>
+          <a:p>
+            <a:pPr lvl="1"/>
+            <a:r>
+              <a:rPr lang="da-DK" smtClean="0"/>
+              <a:t>Andet niveau</a:t>
+            </a:r>
+          </a:p>
+          <a:p>
+            <a:pPr lvl="2"/>
+            <a:r>
+              <a:rPr lang="da-DK" smtClean="0"/>
+              <a:t>Tredje niveau</a:t>
+            </a:r>
+          </a:p>
+          <a:p>
+            <a:pPr lvl="3"/>
+            <a:r>
+              <a:rPr lang="da-DK" smtClean="0"/>
+              <a:t>Fjerde niveau</a:t>
+            </a:r>
+          </a:p>
+          <a:p>
+            <a:pPr lvl="4"/>
+            <a:r>
+              <a:rPr lang="da-DK" smtClean="0"/>
+              <a:t>Femte niveau</a:t>
+            </a:r>
+            <a:endParaRPr lang="da-DK"/>
+          </a:p>
+        </p:txBody>
+      </p:sp>
+      <p:sp>
+        <p:nvSpPr>
+          <p:cNvPr id="6" name="Pladsholder til sidefod 5"/>
+          <p:cNvSpPr>
+            <a:spLocks noGrp="1"/>
+          </p:cNvSpPr>
+          <p:nvPr>
+            <p:ph type="ftr" sz="quarter" idx="4"/>
+          </p:nvPr>
+        </p:nvSpPr>
+        <p:spPr>
+          <a:xfrm>
+            <a:off x="0" y="8685213"/>
+            <a:ext cx="2971800" cy="457200"/>
+          </a:xfrm>
+          <a:prstGeom prst="rect">
+            <a:avLst/>
+          </a:prstGeom>
+        </p:spPr>
+        <p:txBody>
+          <a:bodyPr vert="horz" lIns="91440" tIns="45720" rIns="91440" bIns="45720" rtlCol="0" anchor="b"/>
+          <a:lstStyle>
+            <a:lvl1pPr algn="l">
+              <a:defRPr sz="1200"/>
+            </a:lvl1pPr>
+          </a:lstStyle>
+          <a:p>
+            <a:endParaRPr lang="da-DK"/>
+          </a:p>
+        </p:txBody>
+      </p:sp>
+      <p:sp>
+        <p:nvSpPr>
+          <p:cNvPr id="7" name="Pladsholder til diasnummer 6"/>
+          <p:cNvSpPr>
+            <a:spLocks noGrp="1"/>
+          </p:cNvSpPr>
+          <p:nvPr>
+            <p:ph type="sldNum" sz="quarter" idx="5"/>
+          </p:nvPr>
+        </p:nvSpPr>
+        <p:spPr>
+          <a:xfrm>
+            <a:off x="3884613" y="8685213"/>
+            <a:ext cx="2971800" cy="457200"/>
+          </a:xfrm>
+          <a:prstGeom prst="rect">
+            <a:avLst/>
+          </a:prstGeom>
+        </p:spPr>
+        <p:txBody>
+          <a:bodyPr vert="horz" lIns="91440" tIns="45720" rIns="91440" bIns="45720" rtlCol="0" anchor="b"/>
+          <a:lstStyle>
+            <a:lvl1pPr algn="r">
+              <a:defRPr sz="1200"/>
+            </a:lvl1pPr>
+          </a:lstStyle>
+          <a:p>
+            <a:fld id="{3D459B46-1149-4E67-8273-C98C2D17F7D3}" type="slidenum">
+              <a:rPr lang="da-DK" smtClean="0"/>
+              <a:t>‹nr.›</a:t>
+            </a:fld>
+            <a:endParaRPr lang="da-DK"/>
+          </a:p>
+        </p:txBody>
+      </p:sp>
+    </p:spTree>
+  </p:cSld>
+  <p:clrMap bg1="lt1" tx1="dk1" bg2="lt2" tx2="dk2" accent1="accent1" accent2="accent2" accent3="accent3" accent4="accent4" accent5="accent5" accent6="accent6" hlink="hlink" folHlink="folHlink"/>
+  <p:notesStyle>
+    <a:lvl1pPr marL="0" algn="l" defTabSz="914400" rtl="0" eaLnBrk="1" latinLnBrk="0" hangingPunct="1">
+      <a:defRPr sz="1200" kern="1200">
+        <a:solidFill>
+          <a:schemeClr val="tx1"/>
+        </a:solidFill>
+        <a:latin typeface="+mn-lt"/>
+        <a:ea typeface="+mn-ea"/>
+        <a:cs typeface="+mn-cs"/>
+      </a:defRPr>
+    </a:lvl1pPr>
+    <a:lvl2pPr marL="457200" algn="l" defTabSz="914400" rtl="0" eaLnBrk="1" latinLnBrk="0" hangingPunct="1">
+      <a:defRPr sz="1200" kern="1200">
+        <a:solidFill>
+          <a:schemeClr val="tx1"/>
+        </a:solidFill>
+        <a:latin typeface="+mn-lt"/>
+        <a:ea typeface="+mn-ea"/>
+        <a:cs typeface="+mn-cs"/>
+      </a:defRPr>
+    </a:lvl2pPr>
+    <a:lvl3pPr marL="914400" algn="l" defTabSz="914400" rtl="0" eaLnBrk="1" latinLnBrk="0" hangingPunct="1">
+      <a:defRPr sz="1200" kern="1200">
+        <a:solidFill>
+          <a:schemeClr val="tx1"/>
+        </a:solidFill>
+        <a:latin typeface="+mn-lt"/>
+        <a:ea typeface="+mn-ea"/>
+        <a:cs typeface="+mn-cs"/>
+      </a:defRPr>
+    </a:lvl3pPr>
+    <a:lvl4pPr marL="1371600" algn="l" defTabSz="914400" rtl="0" eaLnBrk="1" latinLnBrk="0" hangingPunct="1">
+      <a:defRPr sz="1200" kern="1200">
+        <a:solidFill>
+          <a:schemeClr val="tx1"/>
+        </a:solidFill>
+        <a:latin typeface="+mn-lt"/>
+        <a:ea typeface="+mn-ea"/>
+        <a:cs typeface="+mn-cs"/>
+      </a:defRPr>
+    </a:lvl4pPr>
+    <a:lvl5pPr marL="1828800" algn="l" defTabSz="914400" rtl="0" eaLnBrk="1" latinLnBrk="0" hangingPunct="1">
+      <a:defRPr sz="1200" kern="1200">
+        <a:solidFill>
+          <a:schemeClr val="tx1"/>
+        </a:solidFill>
+        <a:latin typeface="+mn-lt"/>
+        <a:ea typeface="+mn-ea"/>
+        <a:cs typeface="+mn-cs"/>
+      </a:defRPr>
+    </a:lvl5pPr>
+    <a:lvl6pPr marL="2286000" algn="l" defTabSz="914400" rtl="0" eaLnBrk="1" latinLnBrk="0" hangingPunct="1">
+      <a:defRPr sz="1200" kern="1200">
+        <a:solidFill>
+          <a:schemeClr val="tx1"/>
+        </a:solidFill>
+        <a:latin typeface="+mn-lt"/>
+        <a:ea typeface="+mn-ea"/>
+        <a:cs typeface="+mn-cs"/>
+      </a:defRPr>
+    </a:lvl6pPr>
+    <a:lvl7pPr marL="2743200" algn="l" defTabSz="914400" rtl="0" eaLnBrk="1" latinLnBrk="0" hangingPunct="1">
+      <a:defRPr sz="1200" kern="1200">
+        <a:solidFill>
+          <a:schemeClr val="tx1"/>
+        </a:solidFill>
+        <a:latin typeface="+mn-lt"/>
+        <a:ea typeface="+mn-ea"/>
+        <a:cs typeface="+mn-cs"/>
+      </a:defRPr>
+    </a:lvl7pPr>
+    <a:lvl8pPr marL="3200400" algn="l" defTabSz="914400" rtl="0" eaLnBrk="1" latinLnBrk="0" hangingPunct="1">
+      <a:defRPr sz="1200" kern="1200">
+        <a:solidFill>
+          <a:schemeClr val="tx1"/>
+        </a:solidFill>
+        <a:latin typeface="+mn-lt"/>
+        <a:ea typeface="+mn-ea"/>
+        <a:cs typeface="+mn-cs"/>
+      </a:defRPr>
+    </a:lvl8pPr>
+    <a:lvl9pPr marL="3657600" algn="l" defTabSz="914400" rtl="0" eaLnBrk="1" latinLnBrk="0" hangingPunct="1">
+      <a:defRPr sz="1200" kern="1200">
+        <a:solidFill>
+          <a:schemeClr val="tx1"/>
+        </a:solidFill>
+        <a:latin typeface="+mn-lt"/>
+        <a:ea typeface="+mn-ea"/>
+        <a:cs typeface="+mn-cs"/>
+      </a:defRPr>
+    </a:lvl9pPr>
+  </p:notesStyle>
+</p:notesMaster>
+</file>
+
+<file path=ppt/notesSlides/notesSlide1.xml><?xml version="1.0" encoding="utf-8"?>
+<p:notes xmlns:a="http://schemas.openxmlformats.org/drawingml/2006/main" xmlns:r="http://schemas.openxmlformats.org/officeDocument/2006/relationships" xmlns:p="http://schemas.openxmlformats.org/presentationml/2006/main">
+  <p:cSld>
+    <p:spTree>
+      <p:nvGrpSpPr>
+        <p:cNvPr id="1" name=""/>
+        <p:cNvGrpSpPr/>
+        <p:nvPr/>
+      </p:nvGrpSpPr>
+      <p:grpSpPr>
+        <a:xfrm>
+          <a:off x="0" y="0"/>
+          <a:ext cx="0" cy="0"/>
+          <a:chOff x="0" y="0"/>
+          <a:chExt cx="0" cy="0"/>
+        </a:xfrm>
+      </p:grpSpPr>
+      <p:sp>
+        <p:nvSpPr>
+          <p:cNvPr id="2" name="Pladsholder til diasbillede 1"/>
+          <p:cNvSpPr>
+            <a:spLocks noGrp="1" noRot="1" noChangeAspect="1"/>
+          </p:cNvSpPr>
+          <p:nvPr>
+            <p:ph type="sldImg"/>
+          </p:nvPr>
+        </p:nvSpPr>
+        <p:spPr/>
+      </p:sp>
+      <p:sp>
+        <p:nvSpPr>
+          <p:cNvPr id="3" name="Pladsholder til noter 2"/>
+          <p:cNvSpPr>
+            <a:spLocks noGrp="1"/>
+          </p:cNvSpPr>
+          <p:nvPr>
+            <p:ph type="body" idx="1"/>
+          </p:nvPr>
+        </p:nvSpPr>
+        <p:spPr/>
+        <p:txBody>
+          <a:bodyPr>
+            <a:normAutofit/>
+          </a:bodyPr>
+          <a:lstStyle/>
+          <a:p>
+            <a:r>
+              <a:rPr lang="da-DK" dirty="0" smtClean="0"/>
+              <a:t>Peter</a:t>
+            </a:r>
+            <a:endParaRPr lang="da-DK" dirty="0"/>
+          </a:p>
+        </p:txBody>
+      </p:sp>
+      <p:sp>
+        <p:nvSpPr>
+          <p:cNvPr id="4" name="Pladsholder til diasnummer 3"/>
+          <p:cNvSpPr>
+            <a:spLocks noGrp="1"/>
+          </p:cNvSpPr>
+          <p:nvPr>
+            <p:ph type="sldNum" sz="quarter" idx="10"/>
+          </p:nvPr>
+        </p:nvSpPr>
+        <p:spPr/>
+        <p:txBody>
+          <a:bodyPr/>
+          <a:lstStyle/>
+          <a:p>
+            <a:fld id="{3D459B46-1149-4E67-8273-C98C2D17F7D3}" type="slidenum">
+              <a:rPr lang="da-DK" smtClean="0"/>
+              <a:t>1</a:t>
+            </a:fld>
+            <a:endParaRPr lang="da-DK"/>
+          </a:p>
+        </p:txBody>
+      </p:sp>
+    </p:spTree>
+  </p:cSld>
+  <p:clrMapOvr>
+    <a:masterClrMapping/>
+  </p:clrMapOvr>
+</p:notes>
+</file>
+
+<file path=ppt/notesSlides/notesSlide2.xml><?xml version="1.0" encoding="utf-8"?>
+<p:notes xmlns:a="http://schemas.openxmlformats.org/drawingml/2006/main" xmlns:r="http://schemas.openxmlformats.org/officeDocument/2006/relationships" xmlns:p="http://schemas.openxmlformats.org/presentationml/2006/main">
+  <p:cSld>
+    <p:spTree>
+      <p:nvGrpSpPr>
+        <p:cNvPr id="1" name=""/>
+        <p:cNvGrpSpPr/>
+        <p:nvPr/>
+      </p:nvGrpSpPr>
+      <p:grpSpPr>
+        <a:xfrm>
+          <a:off x="0" y="0"/>
+          <a:ext cx="0" cy="0"/>
+          <a:chOff x="0" y="0"/>
+          <a:chExt cx="0" cy="0"/>
+        </a:xfrm>
+      </p:grpSpPr>
+      <p:sp>
+        <p:nvSpPr>
+          <p:cNvPr id="2" name="Pladsholder til diasbillede 1"/>
+          <p:cNvSpPr>
+            <a:spLocks noGrp="1" noRot="1" noChangeAspect="1"/>
+          </p:cNvSpPr>
+          <p:nvPr>
+            <p:ph type="sldImg"/>
+          </p:nvPr>
+        </p:nvSpPr>
+        <p:spPr/>
+      </p:sp>
+      <p:sp>
+        <p:nvSpPr>
+          <p:cNvPr id="3" name="Pladsholder til noter 2"/>
+          <p:cNvSpPr>
+            <a:spLocks noGrp="1"/>
+          </p:cNvSpPr>
+          <p:nvPr>
+            <p:ph type="body" idx="1"/>
+          </p:nvPr>
+        </p:nvSpPr>
+        <p:spPr/>
+        <p:txBody>
+          <a:bodyPr>
+            <a:normAutofit/>
+          </a:bodyPr>
+          <a:lstStyle/>
+          <a:p>
+            <a:r>
+              <a:rPr lang="da-DK" dirty="0" smtClean="0"/>
+              <a:t>Michael</a:t>
+            </a:r>
+            <a:endParaRPr lang="da-DK" dirty="0"/>
+          </a:p>
+        </p:txBody>
+      </p:sp>
+      <p:sp>
+        <p:nvSpPr>
+          <p:cNvPr id="4" name="Pladsholder til diasnummer 3"/>
+          <p:cNvSpPr>
+            <a:spLocks noGrp="1"/>
+          </p:cNvSpPr>
+          <p:nvPr>
+            <p:ph type="sldNum" sz="quarter" idx="10"/>
+          </p:nvPr>
+        </p:nvSpPr>
+        <p:spPr/>
+        <p:txBody>
+          <a:bodyPr/>
+          <a:lstStyle/>
+          <a:p>
+            <a:fld id="{3D459B46-1149-4E67-8273-C98C2D17F7D3}" type="slidenum">
+              <a:rPr lang="da-DK" smtClean="0"/>
+              <a:t>2</a:t>
+            </a:fld>
+            <a:endParaRPr lang="da-DK"/>
+          </a:p>
+        </p:txBody>
+      </p:sp>
+    </p:spTree>
+  </p:cSld>
+  <p:clrMapOvr>
+    <a:masterClrMapping/>
+  </p:clrMapOvr>
+</p:notes>
+</file>
+
+<file path=ppt/notesSlides/notesSlide3.xml><?xml version="1.0" encoding="utf-8"?>
+<p:notes xmlns:a="http://schemas.openxmlformats.org/drawingml/2006/main" xmlns:r="http://schemas.openxmlformats.org/officeDocument/2006/relationships" xmlns:p="http://schemas.openxmlformats.org/presentationml/2006/main">
+  <p:cSld>
+    <p:spTree>
+      <p:nvGrpSpPr>
+        <p:cNvPr id="1" name=""/>
+        <p:cNvGrpSpPr/>
+        <p:nvPr/>
+      </p:nvGrpSpPr>
+      <p:grpSpPr>
+        <a:xfrm>
+          <a:off x="0" y="0"/>
+          <a:ext cx="0" cy="0"/>
+          <a:chOff x="0" y="0"/>
+          <a:chExt cx="0" cy="0"/>
+        </a:xfrm>
+      </p:grpSpPr>
+      <p:sp>
+        <p:nvSpPr>
+          <p:cNvPr id="2" name="Pladsholder til diasbillede 1"/>
+          <p:cNvSpPr>
+            <a:spLocks noGrp="1" noRot="1" noChangeAspect="1"/>
+          </p:cNvSpPr>
+          <p:nvPr>
+            <p:ph type="sldImg"/>
+          </p:nvPr>
+        </p:nvSpPr>
+        <p:spPr/>
+      </p:sp>
+      <p:sp>
+        <p:nvSpPr>
+          <p:cNvPr id="3" name="Pladsholder til noter 2"/>
+          <p:cNvSpPr>
+            <a:spLocks noGrp="1"/>
+          </p:cNvSpPr>
+          <p:nvPr>
+            <p:ph type="body" idx="1"/>
+          </p:nvPr>
+        </p:nvSpPr>
+        <p:spPr/>
+        <p:txBody>
+          <a:bodyPr>
+            <a:normAutofit/>
+          </a:bodyPr>
+          <a:lstStyle/>
+          <a:p>
+            <a:r>
+              <a:rPr lang="da-DK" dirty="0" smtClean="0"/>
+              <a:t>Christian</a:t>
+            </a:r>
+            <a:endParaRPr lang="da-DK" dirty="0"/>
+          </a:p>
+        </p:txBody>
+      </p:sp>
+      <p:sp>
+        <p:nvSpPr>
+          <p:cNvPr id="4" name="Pladsholder til diasnummer 3"/>
+          <p:cNvSpPr>
+            <a:spLocks noGrp="1"/>
+          </p:cNvSpPr>
+          <p:nvPr>
+            <p:ph type="sldNum" sz="quarter" idx="10"/>
+          </p:nvPr>
+        </p:nvSpPr>
+        <p:spPr/>
+        <p:txBody>
+          <a:bodyPr/>
+          <a:lstStyle/>
+          <a:p>
+            <a:fld id="{3D459B46-1149-4E67-8273-C98C2D17F7D3}" type="slidenum">
+              <a:rPr lang="da-DK" smtClean="0"/>
+              <a:t>3</a:t>
+            </a:fld>
+            <a:endParaRPr lang="da-DK"/>
+          </a:p>
+        </p:txBody>
+      </p:sp>
+    </p:spTree>
+  </p:cSld>
+  <p:clrMapOvr>
+    <a:masterClrMapping/>
+  </p:clrMapOvr>
+</p:notes>
+</file>
+
+<file path=ppt/notesSlides/notesSlide4.xml><?xml version="1.0" encoding="utf-8"?>
+<p:notes xmlns:a="http://schemas.openxmlformats.org/drawingml/2006/main" xmlns:r="http://schemas.openxmlformats.org/officeDocument/2006/relationships" xmlns:p="http://schemas.openxmlformats.org/presentationml/2006/main">
+  <p:cSld>
+    <p:spTree>
+      <p:nvGrpSpPr>
+        <p:cNvPr id="1" name=""/>
+        <p:cNvGrpSpPr/>
+        <p:nvPr/>
+      </p:nvGrpSpPr>
+      <p:grpSpPr>
+        <a:xfrm>
+          <a:off x="0" y="0"/>
+          <a:ext cx="0" cy="0"/>
+          <a:chOff x="0" y="0"/>
+          <a:chExt cx="0" cy="0"/>
+        </a:xfrm>
+      </p:grpSpPr>
+      <p:sp>
+        <p:nvSpPr>
+          <p:cNvPr id="2" name="Pladsholder til diasbillede 1"/>
+          <p:cNvSpPr>
+            <a:spLocks noGrp="1" noRot="1" noChangeAspect="1"/>
+          </p:cNvSpPr>
+          <p:nvPr>
+            <p:ph type="sldImg"/>
+          </p:nvPr>
+        </p:nvSpPr>
+        <p:spPr/>
+      </p:sp>
+      <p:sp>
+        <p:nvSpPr>
+          <p:cNvPr id="3" name="Pladsholder til noter 2"/>
+          <p:cNvSpPr>
+            <a:spLocks noGrp="1"/>
+          </p:cNvSpPr>
+          <p:nvPr>
+            <p:ph type="body" idx="1"/>
+          </p:nvPr>
+        </p:nvSpPr>
+        <p:spPr/>
+        <p:txBody>
+          <a:bodyPr>
+            <a:normAutofit/>
+          </a:bodyPr>
+          <a:lstStyle/>
+          <a:p>
+            <a:r>
+              <a:rPr lang="da-DK" dirty="0" smtClean="0"/>
+              <a:t>Christian</a:t>
+            </a:r>
+            <a:endParaRPr lang="da-DK" dirty="0"/>
+          </a:p>
+        </p:txBody>
+      </p:sp>
+      <p:sp>
+        <p:nvSpPr>
+          <p:cNvPr id="4" name="Pladsholder til diasnummer 3"/>
+          <p:cNvSpPr>
+            <a:spLocks noGrp="1"/>
+          </p:cNvSpPr>
+          <p:nvPr>
+            <p:ph type="sldNum" sz="quarter" idx="10"/>
+          </p:nvPr>
+        </p:nvSpPr>
+        <p:spPr/>
+        <p:txBody>
+          <a:bodyPr/>
+          <a:lstStyle/>
+          <a:p>
+            <a:fld id="{3D459B46-1149-4E67-8273-C98C2D17F7D3}" type="slidenum">
+              <a:rPr lang="da-DK" smtClean="0"/>
+              <a:t>4</a:t>
+            </a:fld>
+            <a:endParaRPr lang="da-DK"/>
+          </a:p>
+        </p:txBody>
+      </p:sp>
+    </p:spTree>
+  </p:cSld>
+  <p:clrMapOvr>
+    <a:masterClrMapping/>
+  </p:clrMapOvr>
+</p:notes>
+</file>
+
+<file path=ppt/notesSlides/notesSlide5.xml><?xml version="1.0" encoding="utf-8"?>
+<p:notes xmlns:a="http://schemas.openxmlformats.org/drawingml/2006/main" xmlns:r="http://schemas.openxmlformats.org/officeDocument/2006/relationships" xmlns:p="http://schemas.openxmlformats.org/presentationml/2006/main">
+  <p:cSld>
+    <p:spTree>
+      <p:nvGrpSpPr>
+        <p:cNvPr id="1" name=""/>
+        <p:cNvGrpSpPr/>
+        <p:nvPr/>
+      </p:nvGrpSpPr>
+      <p:grpSpPr>
+        <a:xfrm>
+          <a:off x="0" y="0"/>
+          <a:ext cx="0" cy="0"/>
+          <a:chOff x="0" y="0"/>
+          <a:chExt cx="0" cy="0"/>
+        </a:xfrm>
+      </p:grpSpPr>
+      <p:sp>
+        <p:nvSpPr>
+          <p:cNvPr id="2" name="Pladsholder til diasbillede 1"/>
+          <p:cNvSpPr>
+            <a:spLocks noGrp="1" noRot="1" noChangeAspect="1"/>
+          </p:cNvSpPr>
+          <p:nvPr>
+            <p:ph type="sldImg"/>
+          </p:nvPr>
+        </p:nvSpPr>
+        <p:spPr/>
+      </p:sp>
+      <p:sp>
+        <p:nvSpPr>
+          <p:cNvPr id="3" name="Pladsholder til noter 2"/>
+          <p:cNvSpPr>
+            <a:spLocks noGrp="1"/>
+          </p:cNvSpPr>
+          <p:nvPr>
+            <p:ph type="body" idx="1"/>
+          </p:nvPr>
+        </p:nvSpPr>
+        <p:spPr/>
+        <p:txBody>
+          <a:bodyPr>
+            <a:normAutofit/>
+          </a:bodyPr>
+          <a:lstStyle/>
+          <a:p>
+            <a:r>
+              <a:rPr lang="da-DK" dirty="0" smtClean="0"/>
+              <a:t>Anders</a:t>
+            </a:r>
+            <a:endParaRPr lang="da-DK" dirty="0"/>
+          </a:p>
+        </p:txBody>
+      </p:sp>
+      <p:sp>
+        <p:nvSpPr>
+          <p:cNvPr id="4" name="Pladsholder til diasnummer 3"/>
+          <p:cNvSpPr>
+            <a:spLocks noGrp="1"/>
+          </p:cNvSpPr>
+          <p:nvPr>
+            <p:ph type="sldNum" sz="quarter" idx="10"/>
+          </p:nvPr>
+        </p:nvSpPr>
+        <p:spPr/>
+        <p:txBody>
+          <a:bodyPr/>
+          <a:lstStyle/>
+          <a:p>
+            <a:fld id="{3D459B46-1149-4E67-8273-C98C2D17F7D3}" type="slidenum">
+              <a:rPr lang="da-DK" smtClean="0"/>
+              <a:t>5</a:t>
+            </a:fld>
+            <a:endParaRPr lang="da-DK"/>
+          </a:p>
+        </p:txBody>
+      </p:sp>
+    </p:spTree>
+  </p:cSld>
+  <p:clrMapOvr>
+    <a:masterClrMapping/>
+  </p:clrMapOvr>
+</p:notes>
+</file>
+
+<file path=ppt/notesSlides/notesSlide6.xml><?xml version="1.0" encoding="utf-8"?>
+<p:notes xmlns:a="http://schemas.openxmlformats.org/drawingml/2006/main" xmlns:r="http://schemas.openxmlformats.org/officeDocument/2006/relationships" xmlns:p="http://schemas.openxmlformats.org/presentationml/2006/main">
+  <p:cSld>
+    <p:spTree>
+      <p:nvGrpSpPr>
+        <p:cNvPr id="1" name=""/>
+        <p:cNvGrpSpPr/>
+        <p:nvPr/>
+      </p:nvGrpSpPr>
+      <p:grpSpPr>
+        <a:xfrm>
+          <a:off x="0" y="0"/>
+          <a:ext cx="0" cy="0"/>
+          <a:chOff x="0" y="0"/>
+          <a:chExt cx="0" cy="0"/>
+        </a:xfrm>
+      </p:grpSpPr>
+      <p:sp>
+        <p:nvSpPr>
+          <p:cNvPr id="2" name="Pladsholder til diasbillede 1"/>
+          <p:cNvSpPr>
+            <a:spLocks noGrp="1" noRot="1" noChangeAspect="1"/>
+          </p:cNvSpPr>
+          <p:nvPr>
+            <p:ph type="sldImg"/>
+          </p:nvPr>
+        </p:nvSpPr>
+        <p:spPr/>
+      </p:sp>
+      <p:sp>
+        <p:nvSpPr>
+          <p:cNvPr id="3" name="Pladsholder til noter 2"/>
+          <p:cNvSpPr>
+            <a:spLocks noGrp="1"/>
+          </p:cNvSpPr>
+          <p:nvPr>
+            <p:ph type="body" idx="1"/>
+          </p:nvPr>
+        </p:nvSpPr>
+        <p:spPr/>
+        <p:txBody>
+          <a:bodyPr>
+            <a:normAutofit/>
+          </a:bodyPr>
+          <a:lstStyle/>
+          <a:p>
+            <a:r>
+              <a:rPr lang="da-DK" dirty="0" smtClean="0"/>
+              <a:t>David</a:t>
+            </a:r>
+            <a:endParaRPr lang="da-DK" dirty="0"/>
+          </a:p>
+        </p:txBody>
+      </p:sp>
+      <p:sp>
+        <p:nvSpPr>
+          <p:cNvPr id="4" name="Pladsholder til diasnummer 3"/>
+          <p:cNvSpPr>
+            <a:spLocks noGrp="1"/>
+          </p:cNvSpPr>
+          <p:nvPr>
+            <p:ph type="sldNum" sz="quarter" idx="10"/>
+          </p:nvPr>
+        </p:nvSpPr>
+        <p:spPr/>
+        <p:txBody>
+          <a:bodyPr/>
+          <a:lstStyle/>
+          <a:p>
+            <a:fld id="{3D459B46-1149-4E67-8273-C98C2D17F7D3}" type="slidenum">
+              <a:rPr lang="da-DK" smtClean="0"/>
+              <a:t>6</a:t>
+            </a:fld>
+            <a:endParaRPr lang="da-DK"/>
+          </a:p>
+        </p:txBody>
+      </p:sp>
+    </p:spTree>
+  </p:cSld>
+  <p:clrMapOvr>
+    <a:masterClrMapping/>
+  </p:clrMapOvr>
+</p:notes>
+</file>
+
+<file path=ppt/notesSlides/notesSlide7.xml><?xml version="1.0" encoding="utf-8"?>
+<p:notes xmlns:a="http://schemas.openxmlformats.org/drawingml/2006/main" xmlns:r="http://schemas.openxmlformats.org/officeDocument/2006/relationships" xmlns:p="http://schemas.openxmlformats.org/presentationml/2006/main">
+  <p:cSld>
+    <p:spTree>
+      <p:nvGrpSpPr>
+        <p:cNvPr id="1" name=""/>
+        <p:cNvGrpSpPr/>
+        <p:nvPr/>
+      </p:nvGrpSpPr>
+      <p:grpSpPr>
+        <a:xfrm>
+          <a:off x="0" y="0"/>
+          <a:ext cx="0" cy="0"/>
+          <a:chOff x="0" y="0"/>
+          <a:chExt cx="0" cy="0"/>
+        </a:xfrm>
+      </p:grpSpPr>
+      <p:sp>
+        <p:nvSpPr>
+          <p:cNvPr id="2" name="Pladsholder til diasbillede 1"/>
+          <p:cNvSpPr>
+            <a:spLocks noGrp="1" noRot="1" noChangeAspect="1"/>
+          </p:cNvSpPr>
+          <p:nvPr>
+            <p:ph type="sldImg"/>
+          </p:nvPr>
+        </p:nvSpPr>
+        <p:spPr/>
+      </p:sp>
+      <p:sp>
+        <p:nvSpPr>
+          <p:cNvPr id="3" name="Pladsholder til noter 2"/>
+          <p:cNvSpPr>
+            <a:spLocks noGrp="1"/>
+          </p:cNvSpPr>
+          <p:nvPr>
+            <p:ph type="body" idx="1"/>
+          </p:nvPr>
+        </p:nvSpPr>
+        <p:spPr/>
+        <p:txBody>
+          <a:bodyPr>
+            <a:normAutofit/>
+          </a:bodyPr>
+          <a:lstStyle/>
+          <a:p>
+            <a:r>
+              <a:rPr lang="da-DK" dirty="0" smtClean="0"/>
+              <a:t>Peter</a:t>
+            </a:r>
+            <a:endParaRPr lang="da-DK" dirty="0"/>
+          </a:p>
+        </p:txBody>
+      </p:sp>
+      <p:sp>
+        <p:nvSpPr>
+          <p:cNvPr id="4" name="Pladsholder til diasnummer 3"/>
+          <p:cNvSpPr>
+            <a:spLocks noGrp="1"/>
+          </p:cNvSpPr>
+          <p:nvPr>
+            <p:ph type="sldNum" sz="quarter" idx="10"/>
+          </p:nvPr>
+        </p:nvSpPr>
+        <p:spPr/>
+        <p:txBody>
+          <a:bodyPr/>
+          <a:lstStyle/>
+          <a:p>
+            <a:fld id="{3D459B46-1149-4E67-8273-C98C2D17F7D3}" type="slidenum">
+              <a:rPr lang="da-DK" smtClean="0"/>
+              <a:t>7</a:t>
+            </a:fld>
+            <a:endParaRPr lang="da-DK"/>
+          </a:p>
+        </p:txBody>
+      </p:sp>
+    </p:spTree>
+  </p:cSld>
+  <p:clrMapOvr>
+    <a:masterClrMapping/>
+  </p:clrMapOvr>
+</p:notes>
+</file>
+
+<file path=ppt/notesSlides/notesSlide8.xml><?xml version="1.0" encoding="utf-8"?>
+<p:notes xmlns:a="http://schemas.openxmlformats.org/drawingml/2006/main" xmlns:r="http://schemas.openxmlformats.org/officeDocument/2006/relationships" xmlns:p="http://schemas.openxmlformats.org/presentationml/2006/main">
+  <p:cSld>
+    <p:spTree>
+      <p:nvGrpSpPr>
+        <p:cNvPr id="1" name=""/>
+        <p:cNvGrpSpPr/>
+        <p:nvPr/>
+      </p:nvGrpSpPr>
+      <p:grpSpPr>
+        <a:xfrm>
+          <a:off x="0" y="0"/>
+          <a:ext cx="0" cy="0"/>
+          <a:chOff x="0" y="0"/>
+          <a:chExt cx="0" cy="0"/>
+        </a:xfrm>
+      </p:grpSpPr>
+      <p:sp>
+        <p:nvSpPr>
+          <p:cNvPr id="2" name="Pladsholder til diasbillede 1"/>
+          <p:cNvSpPr>
+            <a:spLocks noGrp="1" noRot="1" noChangeAspect="1"/>
+          </p:cNvSpPr>
+          <p:nvPr>
+            <p:ph type="sldImg"/>
+          </p:nvPr>
+        </p:nvSpPr>
+        <p:spPr/>
+      </p:sp>
+      <p:sp>
+        <p:nvSpPr>
+          <p:cNvPr id="3" name="Pladsholder til noter 2"/>
+          <p:cNvSpPr>
+            <a:spLocks noGrp="1"/>
+          </p:cNvSpPr>
+          <p:nvPr>
+            <p:ph type="body" idx="1"/>
+          </p:nvPr>
+        </p:nvSpPr>
+        <p:spPr/>
+        <p:txBody>
+          <a:bodyPr>
+            <a:normAutofit/>
+          </a:bodyPr>
+          <a:lstStyle/>
+          <a:p>
+            <a:r>
+              <a:rPr lang="da-DK" dirty="0" smtClean="0"/>
+              <a:t>Michael</a:t>
+            </a:r>
+            <a:endParaRPr lang="da-DK" dirty="0"/>
+          </a:p>
+        </p:txBody>
+      </p:sp>
+      <p:sp>
+        <p:nvSpPr>
+          <p:cNvPr id="4" name="Pladsholder til diasnummer 3"/>
+          <p:cNvSpPr>
+            <a:spLocks noGrp="1"/>
+          </p:cNvSpPr>
+          <p:nvPr>
+            <p:ph type="sldNum" sz="quarter" idx="10"/>
+          </p:nvPr>
+        </p:nvSpPr>
+        <p:spPr/>
+        <p:txBody>
+          <a:bodyPr/>
+          <a:lstStyle/>
+          <a:p>
+            <a:fld id="{3D459B46-1149-4E67-8273-C98C2D17F7D3}" type="slidenum">
+              <a:rPr lang="da-DK" smtClean="0"/>
+              <a:t>8</a:t>
+            </a:fld>
+            <a:endParaRPr lang="da-DK"/>
+          </a:p>
+        </p:txBody>
+      </p:sp>
+    </p:spTree>
+  </p:cSld>
+  <p:clrMapOvr>
+    <a:masterClrMapping/>
+  </p:clrMapOvr>
+</p:notes>
+</file>
+
+<file path=ppt/notesSlides/notesSlide9.xml><?xml version="1.0" encoding="utf-8"?>
+<p:notes xmlns:a="http://schemas.openxmlformats.org/drawingml/2006/main" xmlns:r="http://schemas.openxmlformats.org/officeDocument/2006/relationships" xmlns:p="http://schemas.openxmlformats.org/presentationml/2006/main">
+  <p:cSld>
+    <p:spTree>
+      <p:nvGrpSpPr>
+        <p:cNvPr id="1" name=""/>
+        <p:cNvGrpSpPr/>
+        <p:nvPr/>
+      </p:nvGrpSpPr>
+      <p:grpSpPr>
+        <a:xfrm>
+          <a:off x="0" y="0"/>
+          <a:ext cx="0" cy="0"/>
+          <a:chOff x="0" y="0"/>
+          <a:chExt cx="0" cy="0"/>
+        </a:xfrm>
+      </p:grpSpPr>
+      <p:sp>
+        <p:nvSpPr>
+          <p:cNvPr id="2" name="Pladsholder til diasbillede 1"/>
+          <p:cNvSpPr>
+            <a:spLocks noGrp="1" noRot="1" noChangeAspect="1"/>
+          </p:cNvSpPr>
+          <p:nvPr>
+            <p:ph type="sldImg"/>
+          </p:nvPr>
+        </p:nvSpPr>
+        <p:spPr/>
+      </p:sp>
+      <p:sp>
+        <p:nvSpPr>
+          <p:cNvPr id="3" name="Pladsholder til noter 2"/>
+          <p:cNvSpPr>
+            <a:spLocks noGrp="1"/>
+          </p:cNvSpPr>
+          <p:nvPr>
+            <p:ph type="body" idx="1"/>
+          </p:nvPr>
+        </p:nvSpPr>
+        <p:spPr/>
+        <p:txBody>
+          <a:bodyPr>
+            <a:normAutofit/>
+          </a:bodyPr>
+          <a:lstStyle/>
+          <a:p>
+            <a:r>
+              <a:rPr lang="da-DK" dirty="0" smtClean="0"/>
+              <a:t>Alle i kor…</a:t>
+            </a:r>
+            <a:endParaRPr lang="da-DK" dirty="0"/>
+          </a:p>
+        </p:txBody>
+      </p:sp>
+      <p:sp>
+        <p:nvSpPr>
+          <p:cNvPr id="4" name="Pladsholder til diasnummer 3"/>
+          <p:cNvSpPr>
+            <a:spLocks noGrp="1"/>
+          </p:cNvSpPr>
+          <p:nvPr>
+            <p:ph type="sldNum" sz="quarter" idx="10"/>
+          </p:nvPr>
+        </p:nvSpPr>
+        <p:spPr/>
+        <p:txBody>
+          <a:bodyPr/>
+          <a:lstStyle/>
+          <a:p>
+            <a:fld id="{3D459B46-1149-4E67-8273-C98C2D17F7D3}" type="slidenum">
+              <a:rPr lang="da-DK" smtClean="0"/>
+              <a:t>9</a:t>
+            </a:fld>
+            <a:endParaRPr lang="da-DK"/>
+          </a:p>
+        </p:txBody>
+      </p:sp>
+    </p:spTree>
+  </p:cSld>
+  <p:clrMapOvr>
+    <a:masterClrMapping/>
+  </p:clrMapOvr>
+</p:notes>
 </file>
 
 <file path=ppt/slideLayouts/slideLayout1.xml><?xml version="1.0" encoding="utf-8"?>
@@ -6133,6 +7248,36 @@
           </a:p>
         </p:txBody>
       </p:sp>
+      <p:sp>
+        <p:nvSpPr>
+          <p:cNvPr id="6" name="Tekstboks 5"/>
+          <p:cNvSpPr txBox="1"/>
+          <p:nvPr/>
+        </p:nvSpPr>
+        <p:spPr>
+          <a:xfrm>
+            <a:off x="2214546" y="5857892"/>
+            <a:ext cx="4676280" cy="369332"/>
+          </a:xfrm>
+          <a:prstGeom prst="rect">
+            <a:avLst/>
+          </a:prstGeom>
+          <a:noFill/>
+        </p:spPr>
+        <p:txBody>
+          <a:bodyPr wrap="none" rtlCol="0">
+            <a:spAutoFit/>
+          </a:bodyPr>
+          <a:lstStyle/>
+          <a:p>
+            <a:r>
+              <a:rPr lang="da-DK" dirty="0" smtClean="0"/>
+              <a:t>Anders, Christian, David, Michael and Peter</a:t>
+            </a:r>
+            <a:endParaRPr lang="da-DK" dirty="0"/>
+          </a:p>
+        </p:txBody>
+      </p:sp>
     </p:spTree>
   </p:cSld>
   <p:clrMapOvr>
@@ -6290,13 +7435,7 @@
               <a:rPr lang="da-DK" dirty="0" smtClean="0">
                 <a:sym typeface="Wingdings" pitchFamily="2" charset="2"/>
               </a:rPr>
-              <a:t> </a:t>
-            </a:r>
-            <a:r>
-              <a:rPr lang="da-DK" dirty="0" smtClean="0">
-                <a:sym typeface="Wingdings" pitchFamily="2" charset="2"/>
-              </a:rPr>
-              <a:t>Case </a:t>
+              <a:t> Case </a:t>
             </a:r>
             <a:r>
               <a:rPr lang="da-DK" dirty="0" err="1" smtClean="0">
@@ -6308,13 +7447,7 @@
               <a:rPr lang="da-DK" dirty="0" smtClean="0">
                 <a:sym typeface="Wingdings" pitchFamily="2" charset="2"/>
               </a:rPr>
-              <a:t> </a:t>
-            </a:r>
-            <a:r>
-              <a:rPr lang="da-DK" dirty="0" smtClean="0">
-                <a:sym typeface="Wingdings" pitchFamily="2" charset="2"/>
-              </a:rPr>
-              <a:t>SRS (to </a:t>
+              <a:t> SRS (to </a:t>
             </a:r>
             <a:r>
               <a:rPr lang="da-DK" dirty="0" err="1" smtClean="0">
@@ -6393,9 +7526,6 @@
               </a:rPr>
               <a:t>)</a:t>
             </a:r>
-            <a:endParaRPr lang="da-DK" dirty="0" smtClean="0">
-              <a:sym typeface="Wingdings" pitchFamily="2" charset="2"/>
-            </a:endParaRPr>
           </a:p>
           <a:p>
             <a:pPr lvl="1"/>
@@ -6415,13 +7545,7 @@
               <a:rPr lang="da-DK" dirty="0" smtClean="0">
                 <a:sym typeface="Wingdings" pitchFamily="2" charset="2"/>
               </a:rPr>
-              <a:t> DDD </a:t>
-            </a:r>
-            <a:r>
-              <a:rPr lang="da-DK" dirty="0" smtClean="0">
-                <a:sym typeface="Wingdings" pitchFamily="2" charset="2"/>
-              </a:rPr>
-              <a:t>(as </a:t>
+              <a:t> DDD (as </a:t>
             </a:r>
             <a:r>
               <a:rPr lang="da-DK" dirty="0" err="1" smtClean="0">
@@ -6435,9 +7559,6 @@
               </a:rPr>
               <a:t>)</a:t>
             </a:r>
-            <a:endParaRPr lang="da-DK" dirty="0" smtClean="0">
-              <a:sym typeface="Wingdings" pitchFamily="2" charset="2"/>
-            </a:endParaRPr>
           </a:p>
           <a:p>
             <a:pPr lvl="1"/>
@@ -6459,9 +7580,6 @@
               </a:rPr>
               <a:t> ICD </a:t>
             </a:r>
-            <a:endParaRPr lang="da-DK" dirty="0" smtClean="0">
-              <a:sym typeface="Wingdings" pitchFamily="2" charset="2"/>
-            </a:endParaRPr>
           </a:p>
           <a:p>
             <a:r>
@@ -6488,7 +7606,6 @@
               <a:rPr lang="da-DK" dirty="0" smtClean="0"/>
               <a:t> </a:t>
             </a:r>
-            <a:endParaRPr lang="da-DK" dirty="0" smtClean="0"/>
           </a:p>
           <a:p>
             <a:pPr lvl="1"/>
@@ -6532,13 +7649,7 @@
               <a:rPr lang="da-DK" dirty="0" smtClean="0">
                 <a:sym typeface="Wingdings" pitchFamily="2" charset="2"/>
               </a:rPr>
-              <a:t> </a:t>
-            </a:r>
-            <a:r>
-              <a:rPr lang="da-DK" dirty="0" smtClean="0">
-                <a:sym typeface="Wingdings" pitchFamily="2" charset="2"/>
-              </a:rPr>
-              <a:t> </a:t>
+              <a:t>  </a:t>
             </a:r>
             <a:r>
               <a:rPr lang="da-DK" dirty="0" err="1" smtClean="0">
@@ -6576,9 +7687,6 @@
               </a:rPr>
               <a:t>  Final meeting</a:t>
             </a:r>
-            <a:endParaRPr lang="da-DK" dirty="0" smtClean="0">
-              <a:sym typeface="Wingdings" pitchFamily="2" charset="2"/>
-            </a:endParaRPr>
           </a:p>
           <a:p>
             <a:pPr lvl="1">
@@ -6647,7 +7755,7 @@
           <p:nvPr/>
         </p:nvPicPr>
         <p:blipFill>
-          <a:blip r:embed="rId2"/>
+          <a:blip r:embed="rId3"/>
           <a:srcRect/>
           <a:stretch>
             <a:fillRect/>
@@ -6732,7 +7840,7 @@
           <p:nvPr/>
         </p:nvPicPr>
         <p:blipFill>
-          <a:blip r:embed="rId2"/>
+          <a:blip r:embed="rId3"/>
           <a:srcRect/>
           <a:stretch>
             <a:fillRect/>
@@ -6886,11 +7994,7 @@
             </a:r>
             <a:r>
               <a:rPr lang="da-DK" dirty="0" err="1" smtClean="0"/>
-              <a:t>E</a:t>
-            </a:r>
-            <a:r>
-              <a:rPr lang="da-DK" dirty="0" err="1" smtClean="0"/>
-              <a:t>licitation</a:t>
+              <a:t>Elicitation</a:t>
             </a:r>
             <a:endParaRPr lang="da-DK" dirty="0"/>
           </a:p>
@@ -6903,10 +8007,10 @@
           <p:nvPr/>
         </p:nvPicPr>
         <p:blipFill>
-          <a:blip r:embed="rId2" cstate="print">
+          <a:blip r:embed="rId3" cstate="print">
             <a:extLst>
               <a:ext uri="{28A0092B-C50C-407E-A947-70E740481C1C}">
-                <a14:useLocalDpi xmlns:ve="http://schemas.openxmlformats.org/markup-compatibility/2006" xmlns:m="http://schemas.openxmlformats.org/officeDocument/2006/math" xmlns:wp="http://schemas.openxmlformats.org/drawingml/2006/wordprocessingDrawing" xmlns:wne="http://schemas.microsoft.com/office/word/2006/wordml" xmlns="" xmlns:wpc="http://schemas.microsoft.com/office/word/2010/wordprocessingCanvas" xmlns:mc="http://schemas.openxmlformats.org/markup-compatibility/2006" xmlns:o="urn:schemas-microsoft-com:office:office" xmlns:v="urn:schemas-microsoft-com:vml" xmlns:wp14="http://schemas.microsoft.com/office/word/2010/wordprocessingDrawing" xmlns:w10="urn:schemas-microsoft-com:office:word" xmlns:w="http://schemas.openxmlformats.org/wordprocessingml/2006/main" xmlns:w14="http://schemas.microsoft.com/office/word/2010/wordml" xmlns:wpg="http://schemas.microsoft.com/office/word/2010/wordprocessingGroup" xmlns:wpi="http://schemas.microsoft.com/office/word/2010/wordprocessingInk" xmlns:wps="http://schemas.microsoft.com/office/word/2010/wordprocessingShape" xmlns:a14="http://schemas.microsoft.com/office/drawing/2010/main" xmlns:pic="http://schemas.openxmlformats.org/drawingml/2006/picture" xmlns:lc="http://schemas.openxmlformats.org/drawingml/2006/lockedCanvas" val="0"/>
+                <a14:useLocalDpi xmlns:lc="http://schemas.openxmlformats.org/drawingml/2006/lockedCanvas" xmlns:pic="http://schemas.openxmlformats.org/drawingml/2006/picture" xmlns:a14="http://schemas.microsoft.com/office/drawing/2010/main" xmlns:wps="http://schemas.microsoft.com/office/word/2010/wordprocessingShape" xmlns:wpi="http://schemas.microsoft.com/office/word/2010/wordprocessingInk" xmlns:wpg="http://schemas.microsoft.com/office/word/2010/wordprocessingGroup" xmlns:w14="http://schemas.microsoft.com/office/word/2010/wordml" xmlns:w="http://schemas.openxmlformats.org/wordprocessingml/2006/main" xmlns:w10="urn:schemas-microsoft-com:office:word" xmlns:wp14="http://schemas.microsoft.com/office/word/2010/wordprocessingDrawing" xmlns:v="urn:schemas-microsoft-com:vml" xmlns:o="urn:schemas-microsoft-com:office:office" xmlns:mc="http://schemas.openxmlformats.org/markup-compatibility/2006" xmlns:wpc="http://schemas.microsoft.com/office/word/2010/wordprocessingCanvas" xmlns="" xmlns:wne="http://schemas.microsoft.com/office/word/2006/wordml" xmlns:wp="http://schemas.openxmlformats.org/drawingml/2006/wordprocessingDrawing" xmlns:m="http://schemas.openxmlformats.org/officeDocument/2006/math" xmlns:ve="http://schemas.openxmlformats.org/markup-compatibility/2006" val="0"/>
               </a:ext>
             </a:extLst>
           </a:blip>
@@ -6980,7 +8084,7 @@
           <p:nvPr/>
         </p:nvPicPr>
         <p:blipFill>
-          <a:blip r:embed="rId2" cstate="print"/>
+          <a:blip r:embed="rId3" cstate="print"/>
           <a:srcRect/>
           <a:stretch>
             <a:fillRect/>
@@ -7107,7 +8211,7 @@
         </p:xfrm>
         <a:graphic>
           <a:graphicData uri="http://schemas.openxmlformats.org/presentationml/2006/ole">
-            <p:oleObj spid="_x0000_s3073" name="Visio" r:id="rId3" imgW="5698846" imgH="4468673" progId="Visio.Drawing.11">
+            <p:oleObj spid="_x0000_s3073" name="Visio" r:id="rId4" imgW="5698846" imgH="4468673" progId="Visio.Drawing.11">
               <p:embed/>
             </p:oleObj>
           </a:graphicData>
@@ -7170,7 +8274,7 @@
           <p:nvPr/>
         </p:nvPicPr>
         <p:blipFill>
-          <a:blip r:embed="rId2"/>
+          <a:blip r:embed="rId3"/>
           <a:srcRect/>
           <a:stretch>
             <a:fillRect/>
@@ -7752,4 +8856,287 @@
   <a:objectDefaults/>
   <a:extraClrSchemeLst/>
 </a:theme>
+</file>
+
+<file path=ppt/theme/theme2.xml><?xml version="1.0" encoding="utf-8"?>
+<a:theme xmlns:a="http://schemas.openxmlformats.org/drawingml/2006/main" name="Kontortema">
+  <a:themeElements>
+    <a:clrScheme name="Kontor">
+      <a:dk1>
+        <a:sysClr val="windowText" lastClr="000000"/>
+      </a:dk1>
+      <a:lt1>
+        <a:sysClr val="window" lastClr="FFFFFF"/>
+      </a:lt1>
+      <a:dk2>
+        <a:srgbClr val="1F497D"/>
+      </a:dk2>
+      <a:lt2>
+        <a:srgbClr val="EEECE1"/>
+      </a:lt2>
+      <a:accent1>
+        <a:srgbClr val="4F81BD"/>
+      </a:accent1>
+      <a:accent2>
+        <a:srgbClr val="C0504D"/>
+      </a:accent2>
+      <a:accent3>
+        <a:srgbClr val="9BBB59"/>
+      </a:accent3>
+      <a:accent4>
+        <a:srgbClr val="8064A2"/>
+      </a:accent4>
+      <a:accent5>
+        <a:srgbClr val="4BACC6"/>
+      </a:accent5>
+      <a:accent6>
+        <a:srgbClr val="F79646"/>
+      </a:accent6>
+      <a:hlink>
+        <a:srgbClr val="0000FF"/>
+      </a:hlink>
+      <a:folHlink>
+        <a:srgbClr val="800080"/>
+      </a:folHlink>
+    </a:clrScheme>
+    <a:fontScheme name="Kontor">
+      <a:majorFont>
+        <a:latin typeface="Calibri"/>
+        <a:ea typeface=""/>
+        <a:cs typeface=""/>
+        <a:font script="Jpan" typeface="ＭＳ Ｐゴシック"/>
+        <a:font script="Hang" typeface="맑은 고딕"/>
+        <a:font script="Hans" typeface="宋体"/>
+        <a:font script="Hant" typeface="新細明體"/>
+        <a:font script="Arab" typeface="Times New Roman"/>
+        <a:font script="Hebr" typeface="Times New Roman"/>
+        <a:font script="Thai" typeface="Angsana New"/>
+        <a:font script="Ethi" typeface="Nyala"/>
+        <a:font script="Beng" typeface="Vrinda"/>
+        <a:font script="Gujr" typeface="Shruti"/>
+        <a:font script="Khmr" typeface="MoolBoran"/>
+        <a:font script="Knda" typeface="Tunga"/>
+        <a:font script="Guru" typeface="Raavi"/>
+        <a:font script="Cans" typeface="Euphemia"/>
+        <a:font script="Cher" typeface="Plantagenet Cherokee"/>
+        <a:font script="Yiii" typeface="Microsoft Yi Baiti"/>
+        <a:font script="Tibt" typeface="Microsoft Himalaya"/>
+        <a:font script="Thaa" typeface="MV Boli"/>
+        <a:font script="Deva" typeface="Mangal"/>
+        <a:font script="Telu" typeface="Gautami"/>
+        <a:font script="Taml" typeface="Latha"/>
+        <a:font script="Syrc" typeface="Estrangelo Edessa"/>
+        <a:font script="Orya" typeface="Kalinga"/>
+        <a:font script="Mlym" typeface="Kartika"/>
+        <a:font script="Laoo" typeface="DokChampa"/>
+        <a:font script="Sinh" typeface="Iskoola Pota"/>
+        <a:font script="Mong" typeface="Mongolian Baiti"/>
+        <a:font script="Viet" typeface="Times New Roman"/>
+        <a:font script="Uigh" typeface="Microsoft Uighur"/>
+      </a:majorFont>
+      <a:minorFont>
+        <a:latin typeface="Calibri"/>
+        <a:ea typeface=""/>
+        <a:cs typeface=""/>
+        <a:font script="Jpan" typeface="ＭＳ Ｐゴシック"/>
+        <a:font script="Hang" typeface="맑은 고딕"/>
+        <a:font script="Hans" typeface="宋体"/>
+        <a:font script="Hant" typeface="新細明體"/>
+        <a:font script="Arab" typeface="Arial"/>
+        <a:font script="Hebr" typeface="Arial"/>
+        <a:font script="Thai" typeface="Cordia New"/>
+        <a:font script="Ethi" typeface="Nyala"/>
+        <a:font script="Beng" typeface="Vrinda"/>
+        <a:font script="Gujr" typeface="Shruti"/>
+        <a:font script="Khmr" typeface="DaunPenh"/>
+        <a:font script="Knda" typeface="Tunga"/>
+        <a:font script="Guru" typeface="Raavi"/>
+        <a:font script="Cans" typeface="Euphemia"/>
+        <a:font script="Cher" typeface="Plantagenet Cherokee"/>
+        <a:font script="Yiii" typeface="Microsoft Yi Baiti"/>
+        <a:font script="Tibt" typeface="Microsoft Himalaya"/>
+        <a:font script="Thaa" typeface="MV Boli"/>
+        <a:font script="Deva" typeface="Mangal"/>
+        <a:font script="Telu" typeface="Gautami"/>
+        <a:font script="Taml" typeface="Latha"/>
+        <a:font script="Syrc" typeface="Estrangelo Edessa"/>
+        <a:font script="Orya" typeface="Kalinga"/>
+        <a:font script="Mlym" typeface="Kartika"/>
+        <a:font script="Laoo" typeface="DokChampa"/>
+        <a:font script="Sinh" typeface="Iskoola Pota"/>
+        <a:font script="Mong" typeface="Mongolian Baiti"/>
+        <a:font script="Viet" typeface="Arial"/>
+        <a:font script="Uigh" typeface="Microsoft Uighur"/>
+      </a:minorFont>
+    </a:fontScheme>
+    <a:fmtScheme name="Kontor">
+      <a:fillStyleLst>
+        <a:solidFill>
+          <a:schemeClr val="phClr"/>
+        </a:solidFill>
+        <a:gradFill rotWithShape="1">
+          <a:gsLst>
+            <a:gs pos="0">
+              <a:schemeClr val="phClr">
+                <a:tint val="50000"/>
+                <a:satMod val="300000"/>
+              </a:schemeClr>
+            </a:gs>
+            <a:gs pos="35000">
+              <a:schemeClr val="phClr">
+                <a:tint val="37000"/>
+                <a:satMod val="300000"/>
+              </a:schemeClr>
+            </a:gs>
+            <a:gs pos="100000">
+              <a:schemeClr val="phClr">
+                <a:tint val="15000"/>
+                <a:satMod val="350000"/>
+              </a:schemeClr>
+            </a:gs>
+          </a:gsLst>
+          <a:lin ang="16200000" scaled="1"/>
+        </a:gradFill>
+        <a:gradFill rotWithShape="1">
+          <a:gsLst>
+            <a:gs pos="0">
+              <a:schemeClr val="phClr">
+                <a:shade val="51000"/>
+                <a:satMod val="130000"/>
+              </a:schemeClr>
+            </a:gs>
+            <a:gs pos="80000">
+              <a:schemeClr val="phClr">
+                <a:shade val="93000"/>
+                <a:satMod val="130000"/>
+              </a:schemeClr>
+            </a:gs>
+            <a:gs pos="100000">
+              <a:schemeClr val="phClr">
+                <a:shade val="94000"/>
+                <a:satMod val="135000"/>
+              </a:schemeClr>
+            </a:gs>
+          </a:gsLst>
+          <a:lin ang="16200000" scaled="0"/>
+        </a:gradFill>
+      </a:fillStyleLst>
+      <a:lnStyleLst>
+        <a:ln w="9525" cap="flat" cmpd="sng" algn="ctr">
+          <a:solidFill>
+            <a:schemeClr val="phClr">
+              <a:shade val="95000"/>
+              <a:satMod val="105000"/>
+            </a:schemeClr>
+          </a:solidFill>
+          <a:prstDash val="solid"/>
+        </a:ln>
+        <a:ln w="25400" cap="flat" cmpd="sng" algn="ctr">
+          <a:solidFill>
+            <a:schemeClr val="phClr"/>
+          </a:solidFill>
+          <a:prstDash val="solid"/>
+        </a:ln>
+        <a:ln w="38100" cap="flat" cmpd="sng" algn="ctr">
+          <a:solidFill>
+            <a:schemeClr val="phClr"/>
+          </a:solidFill>
+          <a:prstDash val="solid"/>
+        </a:ln>
+      </a:lnStyleLst>
+      <a:effectStyleLst>
+        <a:effectStyle>
+          <a:effectLst>
+            <a:outerShdw blurRad="40000" dist="20000" dir="5400000" rotWithShape="0">
+              <a:srgbClr val="000000">
+                <a:alpha val="38000"/>
+              </a:srgbClr>
+            </a:outerShdw>
+          </a:effectLst>
+        </a:effectStyle>
+        <a:effectStyle>
+          <a:effectLst>
+            <a:outerShdw blurRad="40000" dist="23000" dir="5400000" rotWithShape="0">
+              <a:srgbClr val="000000">
+                <a:alpha val="35000"/>
+              </a:srgbClr>
+            </a:outerShdw>
+          </a:effectLst>
+        </a:effectStyle>
+        <a:effectStyle>
+          <a:effectLst>
+            <a:outerShdw blurRad="40000" dist="23000" dir="5400000" rotWithShape="0">
+              <a:srgbClr val="000000">
+                <a:alpha val="35000"/>
+              </a:srgbClr>
+            </a:outerShdw>
+          </a:effectLst>
+          <a:scene3d>
+            <a:camera prst="orthographicFront">
+              <a:rot lat="0" lon="0" rev="0"/>
+            </a:camera>
+            <a:lightRig rig="threePt" dir="t">
+              <a:rot lat="0" lon="0" rev="1200000"/>
+            </a:lightRig>
+          </a:scene3d>
+          <a:sp3d>
+            <a:bevelT w="63500" h="25400"/>
+          </a:sp3d>
+        </a:effectStyle>
+      </a:effectStyleLst>
+      <a:bgFillStyleLst>
+        <a:solidFill>
+          <a:schemeClr val="phClr"/>
+        </a:solidFill>
+        <a:gradFill rotWithShape="1">
+          <a:gsLst>
+            <a:gs pos="0">
+              <a:schemeClr val="phClr">
+                <a:tint val="40000"/>
+                <a:satMod val="350000"/>
+              </a:schemeClr>
+            </a:gs>
+            <a:gs pos="40000">
+              <a:schemeClr val="phClr">
+                <a:tint val="45000"/>
+                <a:shade val="99000"/>
+                <a:satMod val="350000"/>
+              </a:schemeClr>
+            </a:gs>
+            <a:gs pos="100000">
+              <a:schemeClr val="phClr">
+                <a:shade val="20000"/>
+                <a:satMod val="255000"/>
+              </a:schemeClr>
+            </a:gs>
+          </a:gsLst>
+          <a:path path="circle">
+            <a:fillToRect l="50000" t="-80000" r="50000" b="180000"/>
+          </a:path>
+        </a:gradFill>
+        <a:gradFill rotWithShape="1">
+          <a:gsLst>
+            <a:gs pos="0">
+              <a:schemeClr val="phClr">
+                <a:tint val="80000"/>
+                <a:satMod val="300000"/>
+              </a:schemeClr>
+            </a:gs>
+            <a:gs pos="100000">
+              <a:schemeClr val="phClr">
+                <a:shade val="30000"/>
+                <a:satMod val="200000"/>
+              </a:schemeClr>
+            </a:gs>
+          </a:gsLst>
+          <a:path path="circle">
+            <a:fillToRect l="50000" t="50000" r="50000" b="50000"/>
+          </a:path>
+        </a:gradFill>
+      </a:bgFillStyleLst>
+    </a:fmtScheme>
+  </a:themeElements>
+  <a:objectDefaults/>
+  <a:extraClrSchemeLst/>
+</a:theme>
 </file>
--- a/PowerPoint/Systematic Case.pptx
+++ b/PowerPoint/Systematic Case.pptx
@@ -200,7 +200,8 @@
           <a:p>
             <a:fld id="{3883D74B-B03D-491B-ACB6-FF9B4AB61452}" type="datetimeFigureOut">
               <a:rPr lang="da-DK" smtClean="0"/>
-              <a:t>13-10-2010</a:t>
+              <a:pPr/>
+              <a:t>14-10-2010</a:t>
             </a:fld>
             <a:endParaRPr lang="da-DK"/>
           </a:p>
@@ -361,6 +362,7 @@
           <a:p>
             <a:fld id="{3D459B46-1149-4E67-8273-C98C2D17F7D3}" type="slidenum">
               <a:rPr lang="da-DK" smtClean="0"/>
+              <a:pPr/>
               <a:t>‹nr.›</a:t>
             </a:fld>
             <a:endParaRPr lang="da-DK"/>
@@ -536,6 +538,7 @@
           <a:p>
             <a:fld id="{3D459B46-1149-4E67-8273-C98C2D17F7D3}" type="slidenum">
               <a:rPr lang="da-DK" smtClean="0"/>
+              <a:pPr/>
               <a:t>1</a:t>
             </a:fld>
             <a:endParaRPr lang="da-DK"/>
@@ -621,6 +624,7 @@
           <a:p>
             <a:fld id="{3D459B46-1149-4E67-8273-C98C2D17F7D3}" type="slidenum">
               <a:rPr lang="da-DK" smtClean="0"/>
+              <a:pPr/>
               <a:t>2</a:t>
             </a:fld>
             <a:endParaRPr lang="da-DK"/>
@@ -706,6 +710,7 @@
           <a:p>
             <a:fld id="{3D459B46-1149-4E67-8273-C98C2D17F7D3}" type="slidenum">
               <a:rPr lang="da-DK" smtClean="0"/>
+              <a:pPr/>
               <a:t>3</a:t>
             </a:fld>
             <a:endParaRPr lang="da-DK"/>
@@ -791,6 +796,7 @@
           <a:p>
             <a:fld id="{3D459B46-1149-4E67-8273-C98C2D17F7D3}" type="slidenum">
               <a:rPr lang="da-DK" smtClean="0"/>
+              <a:pPr/>
               <a:t>4</a:t>
             </a:fld>
             <a:endParaRPr lang="da-DK"/>
@@ -876,6 +882,7 @@
           <a:p>
             <a:fld id="{3D459B46-1149-4E67-8273-C98C2D17F7D3}" type="slidenum">
               <a:rPr lang="da-DK" smtClean="0"/>
+              <a:pPr/>
               <a:t>5</a:t>
             </a:fld>
             <a:endParaRPr lang="da-DK"/>
@@ -961,6 +968,7 @@
           <a:p>
             <a:fld id="{3D459B46-1149-4E67-8273-C98C2D17F7D3}" type="slidenum">
               <a:rPr lang="da-DK" smtClean="0"/>
+              <a:pPr/>
               <a:t>6</a:t>
             </a:fld>
             <a:endParaRPr lang="da-DK"/>
@@ -1046,6 +1054,7 @@
           <a:p>
             <a:fld id="{3D459B46-1149-4E67-8273-C98C2D17F7D3}" type="slidenum">
               <a:rPr lang="da-DK" smtClean="0"/>
+              <a:pPr/>
               <a:t>7</a:t>
             </a:fld>
             <a:endParaRPr lang="da-DK"/>
@@ -1131,6 +1140,7 @@
           <a:p>
             <a:fld id="{3D459B46-1149-4E67-8273-C98C2D17F7D3}" type="slidenum">
               <a:rPr lang="da-DK" smtClean="0"/>
+              <a:pPr/>
               <a:t>8</a:t>
             </a:fld>
             <a:endParaRPr lang="da-DK"/>
@@ -1216,6 +1226,7 @@
           <a:p>
             <a:fld id="{3D459B46-1149-4E67-8273-C98C2D17F7D3}" type="slidenum">
               <a:rPr lang="da-DK" smtClean="0"/>
+              <a:pPr/>
               <a:t>9</a:t>
             </a:fld>
             <a:endParaRPr lang="da-DK"/>
@@ -1511,7 +1522,7 @@
             <a:fld id="{D2FD1E4D-6B93-4EE9-8A10-B8AD336451E2}" type="datetimeFigureOut">
               <a:rPr lang="da-DK" smtClean="0"/>
               <a:pPr/>
-              <a:t>13-10-2010</a:t>
+              <a:t>14-10-2010</a:t>
             </a:fld>
             <a:endParaRPr lang="da-DK"/>
           </a:p>
@@ -1906,7 +1917,7 @@
             <a:fld id="{D2FD1E4D-6B93-4EE9-8A10-B8AD336451E2}" type="datetimeFigureOut">
               <a:rPr lang="da-DK" smtClean="0"/>
               <a:pPr/>
-              <a:t>13-10-2010</a:t>
+              <a:t>14-10-2010</a:t>
             </a:fld>
             <a:endParaRPr lang="da-DK"/>
           </a:p>
@@ -2441,7 +2452,7 @@
             <a:fld id="{D2FD1E4D-6B93-4EE9-8A10-B8AD336451E2}" type="datetimeFigureOut">
               <a:rPr lang="da-DK" smtClean="0"/>
               <a:pPr/>
-              <a:t>13-10-2010</a:t>
+              <a:t>14-10-2010</a:t>
             </a:fld>
             <a:endParaRPr lang="da-DK"/>
           </a:p>
@@ -2575,7 +2586,7 @@
             <a:fld id="{D2FD1E4D-6B93-4EE9-8A10-B8AD336451E2}" type="datetimeFigureOut">
               <a:rPr lang="da-DK" smtClean="0"/>
               <a:pPr/>
-              <a:t>13-10-2010</a:t>
+              <a:t>14-10-2010</a:t>
             </a:fld>
             <a:endParaRPr lang="da-DK"/>
           </a:p>
@@ -3120,7 +3131,7 @@
             <a:fld id="{D2FD1E4D-6B93-4EE9-8A10-B8AD336451E2}" type="datetimeFigureOut">
               <a:rPr lang="da-DK" smtClean="0"/>
               <a:pPr/>
-              <a:t>13-10-2010</a:t>
+              <a:t>14-10-2010</a:t>
             </a:fld>
             <a:endParaRPr lang="da-DK"/>
           </a:p>
@@ -3417,7 +3428,7 @@
             <a:fld id="{D2FD1E4D-6B93-4EE9-8A10-B8AD336451E2}" type="datetimeFigureOut">
               <a:rPr lang="da-DK" smtClean="0"/>
               <a:pPr/>
-              <a:t>13-10-2010</a:t>
+              <a:t>14-10-2010</a:t>
             </a:fld>
             <a:endParaRPr lang="da-DK"/>
           </a:p>
@@ -4078,7 +4089,7 @@
             <a:fld id="{D2FD1E4D-6B93-4EE9-8A10-B8AD336451E2}" type="datetimeFigureOut">
               <a:rPr lang="da-DK" smtClean="0"/>
               <a:pPr/>
-              <a:t>13-10-2010</a:t>
+              <a:t>14-10-2010</a:t>
             </a:fld>
             <a:endParaRPr lang="da-DK"/>
           </a:p>
@@ -4516,7 +4527,7 @@
             <a:fld id="{D2FD1E4D-6B93-4EE9-8A10-B8AD336451E2}" type="datetimeFigureOut">
               <a:rPr lang="da-DK" smtClean="0"/>
               <a:pPr/>
-              <a:t>13-10-2010</a:t>
+              <a:t>14-10-2010</a:t>
             </a:fld>
             <a:endParaRPr lang="da-DK"/>
           </a:p>
@@ -4831,7 +4842,7 @@
             <a:fld id="{D2FD1E4D-6B93-4EE9-8A10-B8AD336451E2}" type="datetimeFigureOut">
               <a:rPr lang="da-DK" smtClean="0"/>
               <a:pPr/>
-              <a:t>13-10-2010</a:t>
+              <a:t>14-10-2010</a:t>
             </a:fld>
             <a:endParaRPr lang="da-DK"/>
           </a:p>
@@ -5566,7 +5577,7 @@
             <a:fld id="{D2FD1E4D-6B93-4EE9-8A10-B8AD336451E2}" type="datetimeFigureOut">
               <a:rPr lang="da-DK" smtClean="0"/>
               <a:pPr/>
-              <a:t>13-10-2010</a:t>
+              <a:t>14-10-2010</a:t>
             </a:fld>
             <a:endParaRPr lang="da-DK"/>
           </a:p>
@@ -6232,7 +6243,7 @@
             <a:fld id="{D2FD1E4D-6B93-4EE9-8A10-B8AD336451E2}" type="datetimeFigureOut">
               <a:rPr lang="da-DK" smtClean="0"/>
               <a:pPr/>
-              <a:t>13-10-2010</a:t>
+              <a:t>14-10-2010</a:t>
             </a:fld>
             <a:endParaRPr lang="da-DK"/>
           </a:p>
@@ -6506,7 +6517,7 @@
             <a:fld id="{D2FD1E4D-6B93-4EE9-8A10-B8AD336451E2}" type="datetimeFigureOut">
               <a:rPr lang="da-DK" smtClean="0"/>
               <a:pPr/>
-              <a:t>13-10-2010</a:t>
+              <a:t>14-10-2010</a:t>
             </a:fld>
             <a:endParaRPr lang="da-DK"/>
           </a:p>
@@ -7353,7 +7364,7 @@
           <a:p>
             <a:r>
               <a:rPr lang="da-DK" dirty="0" err="1" smtClean="0"/>
-              <a:t>Stakeholde</a:t>
+              <a:t>Stakeholder</a:t>
             </a:r>
             <a:r>
               <a:rPr lang="da-DK" dirty="0" smtClean="0"/>
@@ -7655,13 +7666,19 @@
               <a:rPr lang="da-DK" dirty="0" err="1" smtClean="0">
                 <a:sym typeface="Wingdings" pitchFamily="2" charset="2"/>
               </a:rPr>
-              <a:t>Clearification</a:t>
+              <a:t>Clarification</a:t>
             </a:r>
             <a:r>
               <a:rPr lang="da-DK" dirty="0" smtClean="0">
                 <a:sym typeface="Wingdings" pitchFamily="2" charset="2"/>
               </a:rPr>
-              <a:t> of </a:t>
+              <a:t> </a:t>
+            </a:r>
+            <a:r>
+              <a:rPr lang="da-DK" dirty="0" smtClean="0">
+                <a:sym typeface="Wingdings" pitchFamily="2" charset="2"/>
+              </a:rPr>
+              <a:t>of </a:t>
             </a:r>
             <a:r>
               <a:rPr lang="da-DK" dirty="0" err="1" smtClean="0">
@@ -8010,7 +8027,7 @@
           <a:blip r:embed="rId3" cstate="print">
             <a:extLst>
               <a:ext uri="{28A0092B-C50C-407E-A947-70E740481C1C}">
-                <a14:useLocalDpi xmlns:lc="http://schemas.openxmlformats.org/drawingml/2006/lockedCanvas" xmlns:pic="http://schemas.openxmlformats.org/drawingml/2006/picture" xmlns:a14="http://schemas.microsoft.com/office/drawing/2010/main" xmlns:wps="http://schemas.microsoft.com/office/word/2010/wordprocessingShape" xmlns:wpi="http://schemas.microsoft.com/office/word/2010/wordprocessingInk" xmlns:wpg="http://schemas.microsoft.com/office/word/2010/wordprocessingGroup" xmlns:w14="http://schemas.microsoft.com/office/word/2010/wordml" xmlns:w="http://schemas.openxmlformats.org/wordprocessingml/2006/main" xmlns:w10="urn:schemas-microsoft-com:office:word" xmlns:wp14="http://schemas.microsoft.com/office/word/2010/wordprocessingDrawing" xmlns:v="urn:schemas-microsoft-com:vml" xmlns:o="urn:schemas-microsoft-com:office:office" xmlns:mc="http://schemas.openxmlformats.org/markup-compatibility/2006" xmlns:wpc="http://schemas.microsoft.com/office/word/2010/wordprocessingCanvas" xmlns="" xmlns:wne="http://schemas.microsoft.com/office/word/2006/wordml" xmlns:wp="http://schemas.openxmlformats.org/drawingml/2006/wordprocessingDrawing" xmlns:m="http://schemas.openxmlformats.org/officeDocument/2006/math" xmlns:ve="http://schemas.openxmlformats.org/markup-compatibility/2006" val="0"/>
+                <a14:useLocalDpi xmlns:ve="http://schemas.openxmlformats.org/markup-compatibility/2006" xmlns:m="http://schemas.openxmlformats.org/officeDocument/2006/math" xmlns:wp="http://schemas.openxmlformats.org/drawingml/2006/wordprocessingDrawing" xmlns:wne="http://schemas.microsoft.com/office/word/2006/wordml" xmlns="" xmlns:wpc="http://schemas.microsoft.com/office/word/2010/wordprocessingCanvas" xmlns:mc="http://schemas.openxmlformats.org/markup-compatibility/2006" xmlns:o="urn:schemas-microsoft-com:office:office" xmlns:v="urn:schemas-microsoft-com:vml" xmlns:wp14="http://schemas.microsoft.com/office/word/2010/wordprocessingDrawing" xmlns:w10="urn:schemas-microsoft-com:office:word" xmlns:w="http://schemas.openxmlformats.org/wordprocessingml/2006/main" xmlns:w14="http://schemas.microsoft.com/office/word/2010/wordml" xmlns:wpg="http://schemas.microsoft.com/office/word/2010/wordprocessingGroup" xmlns:wpi="http://schemas.microsoft.com/office/word/2010/wordprocessingInk" xmlns:wps="http://schemas.microsoft.com/office/word/2010/wordprocessingShape" xmlns:a14="http://schemas.microsoft.com/office/drawing/2010/main" xmlns:pic="http://schemas.openxmlformats.org/drawingml/2006/picture" xmlns:lc="http://schemas.openxmlformats.org/drawingml/2006/lockedCanvas" val="0"/>
               </a:ext>
             </a:extLst>
           </a:blip>

--- a/PowerPoint/Systematic Case.pptx
+++ b/PowerPoint/Systematic Case.pptx
@@ -7200,7 +7200,7 @@
         <p:spPr>
           <a:xfrm>
             <a:off x="571472" y="928670"/>
-            <a:ext cx="8031366" cy="830997"/>
+            <a:ext cx="8172430" cy="830997"/>
           </a:xfrm>
           <a:prstGeom prst="rect">
             <a:avLst/>
@@ -7219,11 +7219,19 @@
             </a:r>
             <a:r>
               <a:rPr lang="da-DK" sz="4800" dirty="0" smtClean="0"/>
-              <a:t> case </a:t>
+              <a:t> </a:t>
+            </a:r>
+            <a:r>
+              <a:rPr lang="da-DK" sz="4800" dirty="0" smtClean="0"/>
+              <a:t>Case </a:t>
             </a:r>
             <a:r>
               <a:rPr lang="da-DK" sz="4800" dirty="0" err="1" smtClean="0"/>
-              <a:t>presentation</a:t>
+              <a:t>P</a:t>
+            </a:r>
+            <a:r>
+              <a:rPr lang="da-DK" sz="4800" dirty="0" err="1" smtClean="0"/>
+              <a:t>resentation</a:t>
             </a:r>
             <a:endParaRPr lang="da-DK" sz="4800" dirty="0"/>
           </a:p>
@@ -7267,8 +7275,8 @@
         </p:nvSpPr>
         <p:spPr>
           <a:xfrm>
-            <a:off x="2214546" y="5857892"/>
-            <a:ext cx="4676280" cy="369332"/>
+            <a:off x="2214546" y="5733256"/>
+            <a:ext cx="4676280" cy="646331"/>
           </a:xfrm>
           <a:prstGeom prst="rect">
             <a:avLst/>
@@ -7283,7 +7291,17 @@
           <a:p>
             <a:r>
               <a:rPr lang="da-DK" dirty="0" smtClean="0"/>
-              <a:t>Anders, Christian, David, Michael and Peter</a:t>
+              <a:t>Anders, Christian, David, Michael and </a:t>
+            </a:r>
+            <a:r>
+              <a:rPr lang="da-DK" dirty="0" smtClean="0"/>
+              <a:t>Peter</a:t>
+            </a:r>
+          </a:p>
+          <a:p>
+            <a:r>
+              <a:rPr lang="da-DK" dirty="0" smtClean="0"/>
+              <a:t>15/10 2010</a:t>
             </a:r>
             <a:endParaRPr lang="da-DK" dirty="0"/>
           </a:p>
@@ -7672,13 +7690,7 @@
               <a:rPr lang="da-DK" dirty="0" smtClean="0">
                 <a:sym typeface="Wingdings" pitchFamily="2" charset="2"/>
               </a:rPr>
-              <a:t> </a:t>
-            </a:r>
-            <a:r>
-              <a:rPr lang="da-DK" dirty="0" smtClean="0">
-                <a:sym typeface="Wingdings" pitchFamily="2" charset="2"/>
-              </a:rPr>
-              <a:t>of </a:t>
+              <a:t> of </a:t>
             </a:r>
             <a:r>
               <a:rPr lang="da-DK" dirty="0" err="1" smtClean="0">
@@ -7765,14 +7777,14 @@
       </p:sp>
       <p:pic>
         <p:nvPicPr>
-          <p:cNvPr id="4097" name="Picture 1" descr="D:\Dokumenter\AU\3. Semester\System engineering\Case work\tisyee2010\documents\Project plan\Schedule.png"/>
+          <p:cNvPr id="11265" name="Picture 1" descr="C:\Users\Christian\Documents\Teknisk IT\TI3\Systems Engineering\Company E SVN\documents\Project plan\Schedule.png"/>
           <p:cNvPicPr>
             <a:picLocks noChangeAspect="1" noChangeArrowheads="1"/>
           </p:cNvPicPr>
           <p:nvPr/>
         </p:nvPicPr>
         <p:blipFill>
-          <a:blip r:embed="rId3"/>
+          <a:blip r:embed="rId3" cstate="print"/>
           <a:srcRect/>
           <a:stretch>
             <a:fillRect/>
@@ -7780,8 +7792,8 @@
         </p:blipFill>
         <p:spPr bwMode="auto">
           <a:xfrm>
-            <a:off x="214282" y="1785926"/>
-            <a:ext cx="8715436" cy="3960818"/>
+            <a:off x="204299" y="1772816"/>
+            <a:ext cx="8735403" cy="4005461"/>
           </a:xfrm>
           <a:prstGeom prst="rect">
             <a:avLst/>
@@ -7857,7 +7869,7 @@
           <p:nvPr/>
         </p:nvPicPr>
         <p:blipFill>
-          <a:blip r:embed="rId3"/>
+          <a:blip r:embed="rId3" cstate="print"/>
           <a:srcRect/>
           <a:stretch>
             <a:fillRect/>
@@ -8027,7 +8039,7 @@
           <a:blip r:embed="rId3" cstate="print">
             <a:extLst>
               <a:ext uri="{28A0092B-C50C-407E-A947-70E740481C1C}">
-                <a14:useLocalDpi xmlns:ve="http://schemas.openxmlformats.org/markup-compatibility/2006" xmlns:m="http://schemas.openxmlformats.org/officeDocument/2006/math" xmlns:wp="http://schemas.openxmlformats.org/drawingml/2006/wordprocessingDrawing" xmlns:wne="http://schemas.microsoft.com/office/word/2006/wordml" xmlns="" xmlns:wpc="http://schemas.microsoft.com/office/word/2010/wordprocessingCanvas" xmlns:mc="http://schemas.openxmlformats.org/markup-compatibility/2006" xmlns:o="urn:schemas-microsoft-com:office:office" xmlns:v="urn:schemas-microsoft-com:vml" xmlns:wp14="http://schemas.microsoft.com/office/word/2010/wordprocessingDrawing" xmlns:w10="urn:schemas-microsoft-com:office:word" xmlns:w="http://schemas.openxmlformats.org/wordprocessingml/2006/main" xmlns:w14="http://schemas.microsoft.com/office/word/2010/wordml" xmlns:wpg="http://schemas.microsoft.com/office/word/2010/wordprocessingGroup" xmlns:wpi="http://schemas.microsoft.com/office/word/2010/wordprocessingInk" xmlns:wps="http://schemas.microsoft.com/office/word/2010/wordprocessingShape" xmlns:a14="http://schemas.microsoft.com/office/drawing/2010/main" xmlns:pic="http://schemas.openxmlformats.org/drawingml/2006/picture" xmlns:lc="http://schemas.openxmlformats.org/drawingml/2006/lockedCanvas" val="0"/>
+                <a14:useLocalDpi xmlns:lc="http://schemas.openxmlformats.org/drawingml/2006/lockedCanvas" xmlns:pic="http://schemas.openxmlformats.org/drawingml/2006/picture" xmlns:a14="http://schemas.microsoft.com/office/drawing/2010/main" xmlns:wps="http://schemas.microsoft.com/office/word/2010/wordprocessingShape" xmlns:wpi="http://schemas.microsoft.com/office/word/2010/wordprocessingInk" xmlns:wpg="http://schemas.microsoft.com/office/word/2010/wordprocessingGroup" xmlns:w14="http://schemas.microsoft.com/office/word/2010/wordml" xmlns:w="http://schemas.openxmlformats.org/wordprocessingml/2006/main" xmlns:w10="urn:schemas-microsoft-com:office:word" xmlns:wp14="http://schemas.microsoft.com/office/word/2010/wordprocessingDrawing" xmlns:v="urn:schemas-microsoft-com:vml" xmlns:o="urn:schemas-microsoft-com:office:office" xmlns:mc="http://schemas.openxmlformats.org/markup-compatibility/2006" xmlns:wpc="http://schemas.microsoft.com/office/word/2010/wordprocessingCanvas" xmlns="" xmlns:wne="http://schemas.microsoft.com/office/word/2006/wordml" xmlns:wp="http://schemas.openxmlformats.org/drawingml/2006/wordprocessingDrawing" xmlns:m="http://schemas.openxmlformats.org/officeDocument/2006/math" xmlns:ve="http://schemas.openxmlformats.org/markup-compatibility/2006" val="0"/>
               </a:ext>
             </a:extLst>
           </a:blip>
@@ -8291,7 +8303,7 @@
           <p:nvPr/>
         </p:nvPicPr>
         <p:blipFill>
-          <a:blip r:embed="rId3"/>
+          <a:blip r:embed="rId3" cstate="print"/>
           <a:srcRect/>
           <a:stretch>
             <a:fillRect/>
@@ -8356,20 +8368,12 @@
           <a:lstStyle/>
           <a:p>
             <a:r>
+              <a:rPr lang="da-DK" dirty="0" smtClean="0"/>
+              <a:t>Future </a:t>
+            </a:r>
+            <a:r>
               <a:rPr lang="da-DK" dirty="0" err="1" smtClean="0"/>
-              <a:t>What</a:t>
-            </a:r>
-            <a:r>
-              <a:rPr lang="da-DK" dirty="0" smtClean="0"/>
-              <a:t> to do </a:t>
-            </a:r>
-            <a:r>
-              <a:rPr lang="da-DK" dirty="0" err="1" smtClean="0"/>
-              <a:t>next</a:t>
-            </a:r>
-            <a:r>
-              <a:rPr lang="da-DK" dirty="0" smtClean="0"/>
-              <a:t>?</a:t>
+              <a:t>work</a:t>
             </a:r>
             <a:endParaRPr lang="da-DK" dirty="0"/>
           </a:p>

--- a/PowerPoint/Systematic Case.pptx
+++ b/PowerPoint/Systematic Case.pptx
@@ -363,13 +363,18 @@
             <a:fld id="{3D459B46-1149-4E67-8273-C98C2D17F7D3}" type="slidenum">
               <a:rPr lang="da-DK" smtClean="0"/>
               <a:pPr/>
-              <a:t>‹nr.›</a:t>
+              <a:t>‹#›</a:t>
             </a:fld>
             <a:endParaRPr lang="da-DK"/>
           </a:p>
         </p:txBody>
       </p:sp>
     </p:spTree>
+    <p:extLst>
+      <p:ext uri="{BB962C8B-B14F-4D97-AF65-F5344CB8AC3E}">
+        <p14:creationId xmlns:p14="http://schemas.microsoft.com/office/powerpoint/2010/main" val="543323538"/>
+      </p:ext>
+    </p:extLst>
   </p:cSld>
   <p:clrMap bg1="lt1" tx1="dk1" bg2="lt2" tx2="dk2" accent1="accent1" accent2="accent2" accent3="accent3" accent4="accent4" accent5="accent5" accent6="accent6" hlink="hlink" folHlink="folHlink"/>
   <p:notesStyle>
@@ -1031,7 +1036,138 @@
           <a:p>
             <a:r>
               <a:rPr lang="da-DK" dirty="0" smtClean="0"/>
-              <a:t>Peter</a:t>
+              <a:t>1Kg max</a:t>
+            </a:r>
+          </a:p>
+          <a:p>
+            <a:r>
+              <a:rPr lang="da-DK" dirty="0" err="1" smtClean="0"/>
+              <a:t>direct</a:t>
+            </a:r>
+            <a:r>
+              <a:rPr lang="da-DK" dirty="0" smtClean="0"/>
+              <a:t> </a:t>
+            </a:r>
+            <a:r>
+              <a:rPr lang="da-DK" dirty="0" err="1" smtClean="0"/>
+              <a:t>sunlight</a:t>
+            </a:r>
+            <a:endParaRPr lang="da-DK" dirty="0" smtClean="0"/>
+          </a:p>
+          <a:p>
+            <a:r>
+              <a:rPr lang="da-DK" dirty="0" smtClean="0"/>
+              <a:t>Batteritype </a:t>
+            </a:r>
+            <a:r>
+              <a:rPr lang="da-DK" dirty="0" err="1" smtClean="0"/>
+              <a:t>Cobolt</a:t>
+            </a:r>
+            <a:r>
+              <a:rPr lang="da-DK" dirty="0" smtClean="0"/>
+              <a:t>/</a:t>
+            </a:r>
+            <a:r>
+              <a:rPr lang="da-DK" dirty="0" err="1" smtClean="0"/>
+              <a:t>Phosphate</a:t>
+            </a:r>
+            <a:r>
+              <a:rPr lang="da-DK" dirty="0" smtClean="0"/>
+              <a:t> Li-Ion</a:t>
+            </a:r>
+          </a:p>
+          <a:p>
+            <a:r>
+              <a:rPr lang="da-DK" dirty="0" smtClean="0"/>
+              <a:t>½kg </a:t>
+            </a:r>
+            <a:r>
+              <a:rPr lang="da-DK" dirty="0" err="1" smtClean="0"/>
+              <a:t>battery</a:t>
+            </a:r>
+            <a:r>
+              <a:rPr lang="da-DK" dirty="0" smtClean="0"/>
+              <a:t> =&gt; 3hrs </a:t>
+            </a:r>
+            <a:r>
+              <a:rPr lang="da-DK" dirty="0" err="1" smtClean="0"/>
+              <a:t>direct</a:t>
+            </a:r>
+            <a:r>
+              <a:rPr lang="da-DK" dirty="0" smtClean="0"/>
+              <a:t> </a:t>
+            </a:r>
+            <a:r>
+              <a:rPr lang="da-DK" dirty="0" err="1" smtClean="0"/>
+              <a:t>sunlight</a:t>
+            </a:r>
+            <a:r>
+              <a:rPr lang="da-DK" dirty="0" smtClean="0"/>
+              <a:t> @ 9.7"</a:t>
+            </a:r>
+          </a:p>
+          <a:p>
+            <a:r>
+              <a:rPr lang="da-DK" dirty="0" err="1" smtClean="0"/>
+              <a:t>glove</a:t>
+            </a:r>
+            <a:r>
+              <a:rPr lang="da-DK" dirty="0" smtClean="0"/>
+              <a:t> / </a:t>
+            </a:r>
+            <a:r>
+              <a:rPr lang="da-DK" dirty="0" err="1" smtClean="0"/>
+              <a:t>Adm</a:t>
+            </a:r>
+            <a:r>
+              <a:rPr lang="da-DK" dirty="0" smtClean="0"/>
+              <a:t> Mode </a:t>
+            </a:r>
+          </a:p>
+          <a:p>
+            <a:r>
+              <a:rPr lang="da-DK" dirty="0" err="1" smtClean="0"/>
+              <a:t>IPad</a:t>
+            </a:r>
+            <a:r>
+              <a:rPr lang="da-DK" dirty="0" smtClean="0"/>
+              <a:t> </a:t>
+            </a:r>
+            <a:r>
+              <a:rPr lang="da-DK" dirty="0" err="1" smtClean="0"/>
+              <a:t>Like</a:t>
+            </a:r>
+            <a:endParaRPr lang="da-DK" dirty="0" smtClean="0"/>
+          </a:p>
+          <a:p>
+            <a:r>
+              <a:rPr lang="da-DK" dirty="0" err="1" smtClean="0"/>
+              <a:t>Shock</a:t>
+            </a:r>
+            <a:r>
+              <a:rPr lang="da-DK" dirty="0" smtClean="0"/>
+              <a:t> </a:t>
+            </a:r>
+            <a:r>
+              <a:rPr lang="da-DK" dirty="0" err="1" smtClean="0"/>
+              <a:t>Resistant</a:t>
+            </a:r>
+            <a:endParaRPr lang="da-DK" dirty="0" smtClean="0"/>
+          </a:p>
+          <a:p>
+            <a:r>
+              <a:rPr lang="da-DK" dirty="0" err="1" smtClean="0"/>
+              <a:t>Communication</a:t>
+            </a:r>
+            <a:r>
+              <a:rPr lang="da-DK" dirty="0" smtClean="0"/>
+              <a:t> via GSM/SAT/WLAN</a:t>
+            </a:r>
+          </a:p>
+          <a:p>
+            <a:r>
+              <a:rPr lang="da-DK" dirty="0" smtClean="0"/>
+              <a:t>Audio Conference Call</a:t>
             </a:r>
             <a:endParaRPr lang="da-DK" dirty="0"/>
           </a:p>
@@ -1752,7 +1888,7 @@
             <a:fld id="{F8DE68CA-CE29-48B2-A76D-5FAA5388020D}" type="slidenum">
               <a:rPr lang="da-DK" smtClean="0"/>
               <a:pPr/>
-              <a:t>‹nr.›</a:t>
+              <a:t>‹#›</a:t>
             </a:fld>
             <a:endParaRPr lang="da-DK"/>
           </a:p>
@@ -1960,7 +2096,7 @@
             <a:fld id="{F8DE68CA-CE29-48B2-A76D-5FAA5388020D}" type="slidenum">
               <a:rPr lang="da-DK" smtClean="0"/>
               <a:pPr/>
-              <a:t>‹nr.›</a:t>
+              <a:t>‹#›</a:t>
             </a:fld>
             <a:endParaRPr lang="da-DK"/>
           </a:p>
@@ -2371,7 +2507,7 @@
             <a:fld id="{F8DE68CA-CE29-48B2-A76D-5FAA5388020D}" type="slidenum">
               <a:rPr lang="da-DK" smtClean="0"/>
               <a:pPr/>
-              <a:t>‹nr.›</a:t>
+              <a:t>‹#›</a:t>
             </a:fld>
             <a:endParaRPr lang="da-DK"/>
           </a:p>
@@ -2634,7 +2770,7 @@
             <a:fld id="{F8DE68CA-CE29-48B2-A76D-5FAA5388020D}" type="slidenum">
               <a:rPr lang="da-DK" smtClean="0"/>
               <a:pPr/>
-              <a:t>‹nr.›</a:t>
+              <a:t>‹#›</a:t>
             </a:fld>
             <a:endParaRPr lang="da-DK"/>
           </a:p>
@@ -3304,7 +3440,7 @@
             <a:fld id="{F8DE68CA-CE29-48B2-A76D-5FAA5388020D}" type="slidenum">
               <a:rPr lang="da-DK" smtClean="0"/>
               <a:pPr/>
-              <a:t>‹nr.›</a:t>
+              <a:t>‹#›</a:t>
             </a:fld>
             <a:endParaRPr lang="da-DK"/>
           </a:p>
@@ -3471,7 +3607,7 @@
             <a:fld id="{F8DE68CA-CE29-48B2-A76D-5FAA5388020D}" type="slidenum">
               <a:rPr lang="da-DK" smtClean="0"/>
               <a:pPr/>
-              <a:t>‹nr.›</a:t>
+              <a:t>‹#›</a:t>
             </a:fld>
             <a:endParaRPr lang="da-DK"/>
           </a:p>
@@ -4432,7 +4568,7 @@
             <a:fld id="{F8DE68CA-CE29-48B2-A76D-5FAA5388020D}" type="slidenum">
               <a:rPr lang="da-DK" smtClean="0"/>
               <a:pPr/>
-              <a:t>‹nr.›</a:t>
+              <a:t>‹#›</a:t>
             </a:fld>
             <a:endParaRPr lang="da-DK"/>
           </a:p>
@@ -4575,7 +4711,7 @@
             <a:fld id="{F8DE68CA-CE29-48B2-A76D-5FAA5388020D}" type="slidenum">
               <a:rPr lang="da-DK" smtClean="0"/>
               <a:pPr/>
-              <a:t>‹nr.›</a:t>
+              <a:t>‹#›</a:t>
             </a:fld>
             <a:endParaRPr lang="da-DK"/>
           </a:p>
@@ -4898,7 +5034,7 @@
             <a:fld id="{F8DE68CA-CE29-48B2-A76D-5FAA5388020D}" type="slidenum">
               <a:rPr lang="da-DK" smtClean="0"/>
               <a:pPr/>
-              <a:t>‹nr.›</a:t>
+              <a:t>‹#›</a:t>
             </a:fld>
             <a:endParaRPr lang="da-DK"/>
           </a:p>
@@ -5517,7 +5653,7 @@
             <a:fld id="{F8DE68CA-CE29-48B2-A76D-5FAA5388020D}" type="slidenum">
               <a:rPr lang="da-DK" smtClean="0"/>
               <a:pPr/>
-              <a:t>‹nr.›</a:t>
+              <a:t>‹#›</a:t>
             </a:fld>
             <a:endParaRPr lang="da-DK"/>
           </a:p>
@@ -6053,7 +6189,7 @@
             <a:fld id="{F8DE68CA-CE29-48B2-A76D-5FAA5388020D}" type="slidenum">
               <a:rPr lang="da-DK" smtClean="0"/>
               <a:pPr/>
-              <a:t>‹nr.›</a:t>
+              <a:t>‹#›</a:t>
             </a:fld>
             <a:endParaRPr lang="da-DK"/>
           </a:p>
@@ -6768,7 +6904,7 @@
             <a:fld id="{F8DE68CA-CE29-48B2-A76D-5FAA5388020D}" type="slidenum">
               <a:rPr lang="da-DK" smtClean="0"/>
               <a:pPr/>
-              <a:t>‹nr.›</a:t>
+              <a:t>‹#›</a:t>
             </a:fld>
             <a:endParaRPr lang="da-DK"/>
           </a:p>
@@ -7219,19 +7355,11 @@
             </a:r>
             <a:r>
               <a:rPr lang="da-DK" sz="4800" dirty="0" smtClean="0"/>
-              <a:t> </a:t>
-            </a:r>
-            <a:r>
-              <a:rPr lang="da-DK" sz="4800" dirty="0" smtClean="0"/>
-              <a:t>Case </a:t>
+              <a:t> Case </a:t>
             </a:r>
             <a:r>
               <a:rPr lang="da-DK" sz="4800" dirty="0" err="1" smtClean="0"/>
-              <a:t>P</a:t>
-            </a:r>
-            <a:r>
-              <a:rPr lang="da-DK" sz="4800" dirty="0" err="1" smtClean="0"/>
-              <a:t>resentation</a:t>
+              <a:t>Presentation</a:t>
             </a:r>
             <a:endParaRPr lang="da-DK" sz="4800" dirty="0"/>
           </a:p>
@@ -7291,11 +7419,7 @@
           <a:p>
             <a:r>
               <a:rPr lang="da-DK" dirty="0" smtClean="0"/>
-              <a:t>Anders, Christian, David, Michael and </a:t>
-            </a:r>
-            <a:r>
-              <a:rPr lang="da-DK" dirty="0" smtClean="0"/>
-              <a:t>Peter</a:t>
+              <a:t>Anders, Christian, David, Michael and Peter</a:t>
             </a:r>
           </a:p>
           <a:p>
@@ -7312,6 +7436,13 @@
   <p:clrMapOvr>
     <a:masterClrMapping/>
   </p:clrMapOvr>
+  <p:timing>
+    <p:tnLst>
+      <p:par>
+        <p:cTn id="1" dur="indefinite" restart="never" nodeType="tmRoot"/>
+      </p:par>
+    </p:tnLst>
+  </p:timing>
 </p:sld>
 </file>
 
@@ -7732,6 +7863,13 @@
   <p:clrMapOvr>
     <a:masterClrMapping/>
   </p:clrMapOvr>
+  <p:timing>
+    <p:tnLst>
+      <p:par>
+        <p:cTn id="1" dur="indefinite" restart="never" nodeType="tmRoot"/>
+      </p:par>
+    </p:tnLst>
+  </p:timing>
 </p:sld>
 </file>
 
@@ -8039,7 +8177,7 @@
           <a:blip r:embed="rId3" cstate="print">
             <a:extLst>
               <a:ext uri="{28A0092B-C50C-407E-A947-70E740481C1C}">
-                <a14:useLocalDpi xmlns:lc="http://schemas.openxmlformats.org/drawingml/2006/lockedCanvas" xmlns:pic="http://schemas.openxmlformats.org/drawingml/2006/picture" xmlns:a14="http://schemas.microsoft.com/office/drawing/2010/main" xmlns:wps="http://schemas.microsoft.com/office/word/2010/wordprocessingShape" xmlns:wpi="http://schemas.microsoft.com/office/word/2010/wordprocessingInk" xmlns:wpg="http://schemas.microsoft.com/office/word/2010/wordprocessingGroup" xmlns:w14="http://schemas.microsoft.com/office/word/2010/wordml" xmlns:w="http://schemas.openxmlformats.org/wordprocessingml/2006/main" xmlns:w10="urn:schemas-microsoft-com:office:word" xmlns:wp14="http://schemas.microsoft.com/office/word/2010/wordprocessingDrawing" xmlns:v="urn:schemas-microsoft-com:vml" xmlns:o="urn:schemas-microsoft-com:office:office" xmlns:mc="http://schemas.openxmlformats.org/markup-compatibility/2006" xmlns:wpc="http://schemas.microsoft.com/office/word/2010/wordprocessingCanvas" xmlns="" xmlns:wne="http://schemas.microsoft.com/office/word/2006/wordml" xmlns:wp="http://schemas.openxmlformats.org/drawingml/2006/wordprocessingDrawing" xmlns:m="http://schemas.openxmlformats.org/officeDocument/2006/math" xmlns:ve="http://schemas.openxmlformats.org/markup-compatibility/2006" val="0"/>
+                <a14:useLocalDpi xmlns:a14="http://schemas.microsoft.com/office/drawing/2010/main" val="0"/>
               </a:ext>
             </a:extLst>
           </a:blip>
@@ -8063,6 +8201,13 @@
   <p:clrMapOvr>
     <a:masterClrMapping/>
   </p:clrMapOvr>
+  <p:timing>
+    <p:tnLst>
+      <p:par>
+        <p:cTn id="1" dur="indefinite" restart="never" nodeType="tmRoot"/>
+      </p:par>
+    </p:tnLst>
+  </p:timing>
 </p:sld>
 </file>
 
@@ -8141,6 +8286,13 @@
   <p:clrMapOvr>
     <a:masterClrMapping/>
   </p:clrMapOvr>
+  <p:timing>
+    <p:tnLst>
+      <p:par>
+        <p:cTn id="1" dur="indefinite" restart="never" nodeType="tmRoot"/>
+      </p:par>
+    </p:tnLst>
+  </p:timing>
 </p:sld>
 </file>
 
@@ -8240,9 +8392,59 @@
         </p:xfrm>
         <a:graphic>
           <a:graphicData uri="http://schemas.openxmlformats.org/presentationml/2006/ole">
-            <p:oleObj spid="_x0000_s3073" name="Visio" r:id="rId4" imgW="5698846" imgH="4468673" progId="Visio.Drawing.11">
-              <p:embed/>
-            </p:oleObj>
+            <mc:AlternateContent xmlns:mc="http://schemas.openxmlformats.org/markup-compatibility/2006">
+              <mc:Choice xmlns:v="urn:schemas-microsoft-com:vml" Requires="v">
+                <p:oleObj spid="_x0000_s3074" name="Visio" r:id="rId4" imgW="5698846" imgH="4468673" progId="Visio.Drawing.11">
+                  <p:embed/>
+                </p:oleObj>
+              </mc:Choice>
+              <mc:Fallback>
+                <p:oleObj name="Visio" r:id="rId4" imgW="5698846" imgH="4468673" progId="Visio.Drawing.11">
+                  <p:embed/>
+                  <p:pic>
+                    <p:nvPicPr>
+                      <p:cNvPr id="0" name="Picture 1"/>
+                      <p:cNvPicPr>
+                        <a:picLocks noChangeAspect="1" noChangeArrowheads="1"/>
+                      </p:cNvPicPr>
+                      <p:nvPr/>
+                    </p:nvPicPr>
+                    <p:blipFill>
+                      <a:blip r:embed="rId5">
+                        <a:extLst>
+                          <a:ext uri="{28A0092B-C50C-407E-A947-70E740481C1C}">
+                            <a14:useLocalDpi xmlns:a14="http://schemas.microsoft.com/office/drawing/2010/main" val="0"/>
+                          </a:ext>
+                        </a:extLst>
+                      </a:blip>
+                      <a:srcRect/>
+                      <a:stretch>
+                        <a:fillRect/>
+                      </a:stretch>
+                    </p:blipFill>
+                    <p:spPr bwMode="auto">
+                      <a:xfrm>
+                        <a:off x="1449900" y="1500174"/>
+                        <a:ext cx="6193934" cy="4857784"/>
+                      </a:xfrm>
+                      <a:prstGeom prst="rect">
+                        <a:avLst/>
+                      </a:prstGeom>
+                      <a:noFill/>
+                      <a:extLst>
+                        <a:ext uri="{909E8E84-426E-40DD-AFC4-6F175D3DCCD1}">
+                          <a14:hiddenFill xmlns:a14="http://schemas.microsoft.com/office/drawing/2010/main">
+                            <a:solidFill>
+                              <a:srgbClr val="FFFFFF"/>
+                            </a:solidFill>
+                          </a14:hiddenFill>
+                        </a:ext>
+                      </a:extLst>
+                    </p:spPr>
+                  </p:pic>
+                </p:oleObj>
+              </mc:Fallback>
+            </mc:AlternateContent>
           </a:graphicData>
         </a:graphic>
       </p:graphicFrame>
@@ -8251,6 +8453,13 @@
   <p:clrMapOvr>
     <a:masterClrMapping/>
   </p:clrMapOvr>
+  <p:timing>
+    <p:tnLst>
+      <p:par>
+        <p:cTn id="1" dur="indefinite" restart="never" nodeType="tmRoot"/>
+      </p:par>
+    </p:tnLst>
+  </p:timing>
 </p:sld>
 </file>
 
@@ -8332,6 +8541,13 @@
   <p:clrMapOvr>
     <a:masterClrMapping/>
   </p:clrMapOvr>
+  <p:timing>
+    <p:tnLst>
+      <p:par>
+        <p:cTn id="1" dur="indefinite" restart="never" nodeType="tmRoot"/>
+      </p:par>
+    </p:tnLst>
+  </p:timing>
 </p:sld>
 </file>
 
@@ -8629,6 +8845,13 @@
   <p:clrMapOvr>
     <a:masterClrMapping/>
   </p:clrMapOvr>
+  <p:timing>
+    <p:tnLst>
+      <p:par>
+        <p:cTn id="1" dur="indefinite" restart="never" nodeType="tmRoot"/>
+      </p:par>
+    </p:tnLst>
+  </p:timing>
 </p:sld>
 </file>
 
